--- a/项目计划PPT.pptx
+++ b/项目计划PPT.pptx
@@ -3,46 +3,46 @@
 <p:presentation xmlns:a="http://schemas.openxmlformats.org/drawingml/2006/main" xmlns:r="http://schemas.openxmlformats.org/officeDocument/2006/relationships" xmlns:p="http://schemas.openxmlformats.org/presentationml/2006/main">
   <p:sldMasterIdLst>
     <p:sldMasterId id="2147483648" r:id="rId1"/>
-    <p:sldMasterId id="2147483660" r:id="rId3"/>
+    <p:sldMasterId id="2147483660" r:id="rId2"/>
   </p:sldMasterIdLst>
   <p:notesMasterIdLst>
-    <p:notesMasterId r:id="rId35"/>
+    <p:notesMasterId r:id="rId34"/>
   </p:notesMasterIdLst>
   <p:handoutMasterIdLst>
-    <p:handoutMasterId r:id="rId36"/>
+    <p:handoutMasterId r:id="rId35"/>
   </p:handoutMasterIdLst>
   <p:sldIdLst>
-    <p:sldId id="260" r:id="rId4"/>
-    <p:sldId id="266" r:id="rId5"/>
-    <p:sldId id="294" r:id="rId6"/>
-    <p:sldId id="337" r:id="rId7"/>
-    <p:sldId id="336" r:id="rId8"/>
-    <p:sldId id="293" r:id="rId9"/>
-    <p:sldId id="277" r:id="rId10"/>
-    <p:sldId id="275" r:id="rId11"/>
-    <p:sldId id="347" r:id="rId12"/>
-    <p:sldId id="348" r:id="rId13"/>
-    <p:sldId id="292" r:id="rId14"/>
-    <p:sldId id="312" r:id="rId15"/>
-    <p:sldId id="342" r:id="rId16"/>
-    <p:sldId id="313" r:id="rId17"/>
-    <p:sldId id="344" r:id="rId18"/>
-    <p:sldId id="303" r:id="rId19"/>
-    <p:sldId id="338" r:id="rId20"/>
-    <p:sldId id="339" r:id="rId21"/>
-    <p:sldId id="340" r:id="rId22"/>
-    <p:sldId id="371" r:id="rId23"/>
-    <p:sldId id="372" r:id="rId24"/>
-    <p:sldId id="291" r:id="rId25"/>
-    <p:sldId id="305" r:id="rId26"/>
-    <p:sldId id="290" r:id="rId27"/>
-    <p:sldId id="315" r:id="rId28"/>
-    <p:sldId id="329" r:id="rId29"/>
-    <p:sldId id="309" r:id="rId30"/>
-    <p:sldId id="295" r:id="rId31"/>
-    <p:sldId id="373" r:id="rId32"/>
-    <p:sldId id="296" r:id="rId33"/>
-    <p:sldId id="288" r:id="rId34"/>
+    <p:sldId id="260" r:id="rId3"/>
+    <p:sldId id="266" r:id="rId4"/>
+    <p:sldId id="294" r:id="rId5"/>
+    <p:sldId id="337" r:id="rId6"/>
+    <p:sldId id="336" r:id="rId7"/>
+    <p:sldId id="293" r:id="rId8"/>
+    <p:sldId id="277" r:id="rId9"/>
+    <p:sldId id="275" r:id="rId10"/>
+    <p:sldId id="347" r:id="rId11"/>
+    <p:sldId id="348" r:id="rId12"/>
+    <p:sldId id="292" r:id="rId13"/>
+    <p:sldId id="312" r:id="rId14"/>
+    <p:sldId id="342" r:id="rId15"/>
+    <p:sldId id="313" r:id="rId16"/>
+    <p:sldId id="344" r:id="rId17"/>
+    <p:sldId id="303" r:id="rId18"/>
+    <p:sldId id="338" r:id="rId19"/>
+    <p:sldId id="339" r:id="rId20"/>
+    <p:sldId id="340" r:id="rId21"/>
+    <p:sldId id="371" r:id="rId22"/>
+    <p:sldId id="372" r:id="rId23"/>
+    <p:sldId id="291" r:id="rId24"/>
+    <p:sldId id="305" r:id="rId25"/>
+    <p:sldId id="290" r:id="rId26"/>
+    <p:sldId id="315" r:id="rId27"/>
+    <p:sldId id="329" r:id="rId28"/>
+    <p:sldId id="309" r:id="rId29"/>
+    <p:sldId id="295" r:id="rId30"/>
+    <p:sldId id="373" r:id="rId31"/>
+    <p:sldId id="296" r:id="rId32"/>
+    <p:sldId id="288" r:id="rId33"/>
   </p:sldIdLst>
   <p:sldSz cx="9144000" cy="6858000" type="screen4x3"/>
   <p:notesSz cx="6858000" cy="9144000"/>
@@ -141,6 +141,42 @@
       </a:defRPr>
     </a:lvl9pPr>
   </p:defaultTextStyle>
+  <p:extLst>
+    <p:ext uri="{EFAFB233-063F-42B5-8137-9DF3F51BA10A}">
+      <p15:sldGuideLst xmlns:p15="http://schemas.microsoft.com/office/powerpoint/2012/main">
+        <p15:guide id="1" orient="horz" pos="285">
+          <p15:clr>
+            <a:srgbClr val="A4A3A4"/>
+          </p15:clr>
+        </p15:guide>
+        <p15:guide id="2" pos="5125">
+          <p15:clr>
+            <a:srgbClr val="A4A3A4"/>
+          </p15:clr>
+        </p15:guide>
+        <p15:guide id="3" pos="1454">
+          <p15:clr>
+            <a:srgbClr val="A4A3A4"/>
+          </p15:clr>
+        </p15:guide>
+        <p15:guide id="4" orient="horz" pos="1170">
+          <p15:clr>
+            <a:srgbClr val="A4A3A4"/>
+          </p15:clr>
+        </p15:guide>
+        <p15:guide id="5" orient="horz" pos="2319">
+          <p15:clr>
+            <a:srgbClr val="A4A3A4"/>
+          </p15:clr>
+        </p15:guide>
+        <p15:guide id="6" orient="horz" pos="3240">
+          <p15:clr>
+            <a:srgbClr val="A4A3A4"/>
+          </p15:clr>
+        </p15:guide>
+      </p15:sldGuideLst>
+    </p:ext>
+  </p:extLst>
 </p:presentation>
 </file>
 
@@ -148,6 +184,10 @@
 <p:cmAuthorLst xmlns:a="http://schemas.openxmlformats.org/drawingml/2006/main" xmlns:r="http://schemas.openxmlformats.org/officeDocument/2006/relationships" xmlns:p="http://schemas.openxmlformats.org/presentationml/2006/main">
   <p:cmAuthor id="1" name="hp" initials="h" lastIdx="1" clrIdx="0"/>
 </p:cmAuthorLst>
+</file>
+
+<file path=ppt/revisionInfo.xml><?xml version="1.0" encoding="utf-8"?>
+<p1510:revInfo xmlns:a="http://schemas.openxmlformats.org/drawingml/2006/main" xmlns:r="http://schemas.openxmlformats.org/officeDocument/2006/relationships" xmlns:p1510="http://schemas.microsoft.com/office/powerpoint/2015/10/main"/>
 </file>
 
 <file path=ppt/comments/comment1.xml><?xml version="1.0" encoding="utf-8"?>
@@ -241,6 +281,7 @@
           <a:p>
             <a:fld id="{0F9B84EA-7D68-4D60-9CB1-D50884785D1C}" type="datetimeFigureOut">
               <a:rPr lang="zh-CN" altLang="en-US" smtClean="0"/>
+              <a:t>2017/10/26</a:t>
             </a:fld>
             <a:endParaRPr lang="zh-CN" altLang="en-US"/>
           </a:p>
@@ -306,6 +347,7 @@
           <a:p>
             <a:fld id="{8D4E0FC9-F1F8-4FAE-9988-3BA365CFD46F}" type="slidenum">
               <a:rPr lang="zh-CN" altLang="en-US" smtClean="0"/>
+              <a:t>‹#›</a:t>
             </a:fld>
             <a:endParaRPr lang="zh-CN" altLang="en-US"/>
           </a:p>
@@ -399,6 +441,7 @@
           <a:p>
             <a:fld id="{D2A48B96-639E-45A3-A0BA-2464DFDB1FAA}" type="datetimeFigureOut">
               <a:rPr lang="zh-CN" altLang="en-US" smtClean="0"/>
+              <a:t>2017/10/26</a:t>
             </a:fld>
             <a:endParaRPr lang="zh-CN" altLang="en-US"/>
           </a:p>
@@ -462,42 +505,37 @@
           <a:p>
             <a:pPr lvl="0"/>
             <a:r>
-              <a:rPr lang="zh-CN" altLang="en-US" smtClean="0"/>
+              <a:rPr lang="zh-CN" altLang="en-US"/>
               <a:t>单击此处编辑母版文本样式</a:t>
             </a:r>
-            <a:endParaRPr lang="zh-CN" altLang="en-US" smtClean="0"/>
           </a:p>
           <a:p>
             <a:pPr lvl="1"/>
             <a:r>
-              <a:rPr lang="zh-CN" altLang="en-US" smtClean="0"/>
+              <a:rPr lang="zh-CN" altLang="en-US"/>
               <a:t>第二级</a:t>
             </a:r>
-            <a:endParaRPr lang="zh-CN" altLang="en-US" smtClean="0"/>
           </a:p>
           <a:p>
             <a:pPr lvl="2"/>
             <a:r>
-              <a:rPr lang="zh-CN" altLang="en-US" smtClean="0"/>
+              <a:rPr lang="zh-CN" altLang="en-US"/>
               <a:t>第三级</a:t>
             </a:r>
-            <a:endParaRPr lang="zh-CN" altLang="en-US" smtClean="0"/>
           </a:p>
           <a:p>
             <a:pPr lvl="3"/>
             <a:r>
-              <a:rPr lang="zh-CN" altLang="en-US" smtClean="0"/>
+              <a:rPr lang="zh-CN" altLang="en-US"/>
               <a:t>第四级</a:t>
             </a:r>
-            <a:endParaRPr lang="zh-CN" altLang="en-US" smtClean="0"/>
           </a:p>
           <a:p>
             <a:pPr lvl="4"/>
             <a:r>
-              <a:rPr lang="zh-CN" altLang="en-US" smtClean="0"/>
+              <a:rPr lang="zh-CN" altLang="en-US"/>
               <a:t>第五级</a:t>
             </a:r>
-            <a:endParaRPr lang="zh-CN" altLang="en-US"/>
           </a:p>
         </p:txBody>
       </p:sp>
@@ -561,6 +599,7 @@
           <a:p>
             <a:fld id="{A6837353-30EB-4A48-80EB-173D804AEFBD}" type="slidenum">
               <a:rPr lang="zh-CN" altLang="en-US" smtClean="0"/>
+              <a:t>‹#›</a:t>
             </a:fld>
             <a:endParaRPr lang="zh-CN" altLang="en-US"/>
           </a:p>
@@ -795,6 +834,7 @@
           <a:p>
             <a:fld id="{76EF31D4-1AA4-45E7-8F10-C007A9A6DDB0}" type="datetimeFigureOut">
               <a:rPr lang="zh-HK" altLang="en-US" smtClean="0"/>
+              <a:t>26/10/2017</a:t>
             </a:fld>
             <a:endParaRPr lang="zh-HK" altLang="en-US"/>
           </a:p>
@@ -836,6 +876,7 @@
           <a:p>
             <a:fld id="{9E45C72C-05F9-42DA-A32C-E89F323A6F21}" type="slidenum">
               <a:rPr lang="zh-HK" altLang="en-US" smtClean="0"/>
+              <a:t>‹#›</a:t>
             </a:fld>
             <a:endParaRPr lang="zh-HK" altLang="en-US"/>
           </a:p>
@@ -909,7 +950,6 @@
               <a:rPr lang="zh-CN" altLang="en-US"/>
               <a:t>单击此处编辑母版文本样式</a:t>
             </a:r>
-            <a:endParaRPr lang="zh-CN" altLang="en-US"/>
           </a:p>
           <a:p>
             <a:pPr lvl="1"/>
@@ -917,7 +957,6 @@
               <a:rPr lang="zh-CN" altLang="en-US"/>
               <a:t>第二级</a:t>
             </a:r>
-            <a:endParaRPr lang="zh-CN" altLang="en-US"/>
           </a:p>
           <a:p>
             <a:pPr lvl="2"/>
@@ -925,7 +964,6 @@
               <a:rPr lang="zh-CN" altLang="en-US"/>
               <a:t>第三级</a:t>
             </a:r>
-            <a:endParaRPr lang="zh-CN" altLang="en-US"/>
           </a:p>
           <a:p>
             <a:pPr lvl="3"/>
@@ -933,7 +971,6 @@
               <a:rPr lang="zh-CN" altLang="en-US"/>
               <a:t>第四级</a:t>
             </a:r>
-            <a:endParaRPr lang="zh-CN" altLang="en-US"/>
           </a:p>
           <a:p>
             <a:pPr lvl="4"/>
@@ -962,6 +999,7 @@
           <a:p>
             <a:fld id="{76EF31D4-1AA4-45E7-8F10-C007A9A6DDB0}" type="datetimeFigureOut">
               <a:rPr lang="zh-HK" altLang="en-US" smtClean="0"/>
+              <a:t>26/10/2017</a:t>
             </a:fld>
             <a:endParaRPr lang="zh-HK" altLang="en-US"/>
           </a:p>
@@ -1003,6 +1041,7 @@
           <a:p>
             <a:fld id="{9E45C72C-05F9-42DA-A32C-E89F323A6F21}" type="slidenum">
               <a:rPr lang="zh-HK" altLang="en-US" smtClean="0"/>
+              <a:t>‹#›</a:t>
             </a:fld>
             <a:endParaRPr lang="zh-HK" altLang="en-US"/>
           </a:p>
@@ -1086,7 +1125,6 @@
               <a:rPr lang="zh-CN" altLang="en-US"/>
               <a:t>单击此处编辑母版文本样式</a:t>
             </a:r>
-            <a:endParaRPr lang="zh-CN" altLang="en-US"/>
           </a:p>
           <a:p>
             <a:pPr lvl="1"/>
@@ -1094,7 +1132,6 @@
               <a:rPr lang="zh-CN" altLang="en-US"/>
               <a:t>第二级</a:t>
             </a:r>
-            <a:endParaRPr lang="zh-CN" altLang="en-US"/>
           </a:p>
           <a:p>
             <a:pPr lvl="2"/>
@@ -1102,7 +1139,6 @@
               <a:rPr lang="zh-CN" altLang="en-US"/>
               <a:t>第三级</a:t>
             </a:r>
-            <a:endParaRPr lang="zh-CN" altLang="en-US"/>
           </a:p>
           <a:p>
             <a:pPr lvl="3"/>
@@ -1110,7 +1146,6 @@
               <a:rPr lang="zh-CN" altLang="en-US"/>
               <a:t>第四级</a:t>
             </a:r>
-            <a:endParaRPr lang="zh-CN" altLang="en-US"/>
           </a:p>
           <a:p>
             <a:pPr lvl="4"/>
@@ -1139,6 +1174,7 @@
           <a:p>
             <a:fld id="{76EF31D4-1AA4-45E7-8F10-C007A9A6DDB0}" type="datetimeFigureOut">
               <a:rPr lang="zh-HK" altLang="en-US" smtClean="0"/>
+              <a:t>26/10/2017</a:t>
             </a:fld>
             <a:endParaRPr lang="zh-HK" altLang="en-US"/>
           </a:p>
@@ -1180,6 +1216,7 @@
           <a:p>
             <a:fld id="{9E45C72C-05F9-42DA-A32C-E89F323A6F21}" type="slidenum">
               <a:rPr lang="zh-HK" altLang="en-US" smtClean="0"/>
+              <a:t>‹#›</a:t>
             </a:fld>
             <a:endParaRPr lang="zh-HK" altLang="en-US"/>
           </a:p>
@@ -1330,6 +1367,7 @@
                   </a:prstClr>
                 </a:solidFill>
               </a:rPr>
+              <a:t>26/10/2017</a:t>
             </a:fld>
             <a:endParaRPr lang="zh-HK" altLang="en-US">
               <a:solidFill>
@@ -1389,6 +1427,7 @@
                   </a:prstClr>
                 </a:solidFill>
               </a:rPr>
+              <a:t>‹#›</a:t>
             </a:fld>
             <a:endParaRPr lang="zh-HK" altLang="en-US">
               <a:solidFill>
@@ -1471,7 +1510,6 @@
               <a:rPr lang="zh-CN" altLang="en-US"/>
               <a:t>单击此处编辑母版文本样式</a:t>
             </a:r>
-            <a:endParaRPr lang="zh-CN" altLang="en-US"/>
           </a:p>
           <a:p>
             <a:pPr lvl="1"/>
@@ -1479,7 +1517,6 @@
               <a:rPr lang="zh-CN" altLang="en-US"/>
               <a:t>第二级</a:t>
             </a:r>
-            <a:endParaRPr lang="zh-CN" altLang="en-US"/>
           </a:p>
           <a:p>
             <a:pPr lvl="2"/>
@@ -1487,7 +1524,6 @@
               <a:rPr lang="zh-CN" altLang="en-US"/>
               <a:t>第三级</a:t>
             </a:r>
-            <a:endParaRPr lang="zh-CN" altLang="en-US"/>
           </a:p>
           <a:p>
             <a:pPr lvl="3"/>
@@ -1495,7 +1531,6 @@
               <a:rPr lang="zh-CN" altLang="en-US"/>
               <a:t>第四级</a:t>
             </a:r>
-            <a:endParaRPr lang="zh-CN" altLang="en-US"/>
           </a:p>
           <a:p>
             <a:pPr lvl="4"/>
@@ -1530,6 +1565,7 @@
                   </a:prstClr>
                 </a:solidFill>
               </a:rPr>
+              <a:t>26/10/2017</a:t>
             </a:fld>
             <a:endParaRPr lang="zh-HK" altLang="en-US">
               <a:solidFill>
@@ -1589,6 +1625,7 @@
                   </a:prstClr>
                 </a:solidFill>
               </a:rPr>
+              <a:t>‹#›</a:t>
             </a:fld>
             <a:endParaRPr lang="zh-HK" altLang="en-US">
               <a:solidFill>
@@ -1774,7 +1811,6 @@
               <a:rPr lang="zh-CN" altLang="en-US"/>
               <a:t>单击此处编辑母版文本样式</a:t>
             </a:r>
-            <a:endParaRPr lang="zh-CN" altLang="en-US"/>
           </a:p>
         </p:txBody>
       </p:sp>
@@ -1801,6 +1837,7 @@
                   </a:prstClr>
                 </a:solidFill>
               </a:rPr>
+              <a:t>26/10/2017</a:t>
             </a:fld>
             <a:endParaRPr lang="zh-HK" altLang="en-US">
               <a:solidFill>
@@ -1860,6 +1897,7 @@
                   </a:prstClr>
                 </a:solidFill>
               </a:rPr>
+              <a:t>‹#›</a:t>
             </a:fld>
             <a:endParaRPr lang="zh-HK" altLang="en-US">
               <a:solidFill>
@@ -1947,7 +1985,6 @@
               <a:rPr lang="zh-CN" altLang="en-US"/>
               <a:t>单击此处编辑母版文本样式</a:t>
             </a:r>
-            <a:endParaRPr lang="zh-CN" altLang="en-US"/>
           </a:p>
           <a:p>
             <a:pPr lvl="1"/>
@@ -1955,7 +1992,6 @@
               <a:rPr lang="zh-CN" altLang="en-US"/>
               <a:t>第二级</a:t>
             </a:r>
-            <a:endParaRPr lang="zh-CN" altLang="en-US"/>
           </a:p>
           <a:p>
             <a:pPr lvl="2"/>
@@ -1963,7 +1999,6 @@
               <a:rPr lang="zh-CN" altLang="en-US"/>
               <a:t>第三级</a:t>
             </a:r>
-            <a:endParaRPr lang="zh-CN" altLang="en-US"/>
           </a:p>
           <a:p>
             <a:pPr lvl="3"/>
@@ -1971,7 +2006,6 @@
               <a:rPr lang="zh-CN" altLang="en-US"/>
               <a:t>第四级</a:t>
             </a:r>
-            <a:endParaRPr lang="zh-CN" altLang="en-US"/>
           </a:p>
           <a:p>
             <a:pPr lvl="4"/>
@@ -2008,7 +2042,6 @@
               <a:rPr lang="zh-CN" altLang="en-US"/>
               <a:t>单击此处编辑母版文本样式</a:t>
             </a:r>
-            <a:endParaRPr lang="zh-CN" altLang="en-US"/>
           </a:p>
           <a:p>
             <a:pPr lvl="1"/>
@@ -2016,7 +2049,6 @@
               <a:rPr lang="zh-CN" altLang="en-US"/>
               <a:t>第二级</a:t>
             </a:r>
-            <a:endParaRPr lang="zh-CN" altLang="en-US"/>
           </a:p>
           <a:p>
             <a:pPr lvl="2"/>
@@ -2024,7 +2056,6 @@
               <a:rPr lang="zh-CN" altLang="en-US"/>
               <a:t>第三级</a:t>
             </a:r>
-            <a:endParaRPr lang="zh-CN" altLang="en-US"/>
           </a:p>
           <a:p>
             <a:pPr lvl="3"/>
@@ -2032,7 +2063,6 @@
               <a:rPr lang="zh-CN" altLang="en-US"/>
               <a:t>第四级</a:t>
             </a:r>
-            <a:endParaRPr lang="zh-CN" altLang="en-US"/>
           </a:p>
           <a:p>
             <a:pPr lvl="4"/>
@@ -2067,6 +2097,7 @@
                   </a:prstClr>
                 </a:solidFill>
               </a:rPr>
+              <a:t>26/10/2017</a:t>
             </a:fld>
             <a:endParaRPr lang="zh-HK" altLang="en-US">
               <a:solidFill>
@@ -2126,6 +2157,7 @@
                   </a:prstClr>
                 </a:solidFill>
               </a:rPr>
+              <a:t>‹#›</a:t>
             </a:fld>
             <a:endParaRPr lang="zh-HK" altLang="en-US">
               <a:solidFill>
@@ -2255,7 +2287,6 @@
               <a:rPr lang="zh-CN" altLang="en-US"/>
               <a:t>单击此处编辑母版文本样式</a:t>
             </a:r>
-            <a:endParaRPr lang="zh-CN" altLang="en-US"/>
           </a:p>
         </p:txBody>
       </p:sp>
@@ -2284,7 +2315,6 @@
               <a:rPr lang="zh-CN" altLang="en-US"/>
               <a:t>单击此处编辑母版文本样式</a:t>
             </a:r>
-            <a:endParaRPr lang="zh-CN" altLang="en-US"/>
           </a:p>
           <a:p>
             <a:pPr lvl="1"/>
@@ -2292,7 +2322,6 @@
               <a:rPr lang="zh-CN" altLang="en-US"/>
               <a:t>第二级</a:t>
             </a:r>
-            <a:endParaRPr lang="zh-CN" altLang="en-US"/>
           </a:p>
           <a:p>
             <a:pPr lvl="2"/>
@@ -2300,7 +2329,6 @@
               <a:rPr lang="zh-CN" altLang="en-US"/>
               <a:t>第三级</a:t>
             </a:r>
-            <a:endParaRPr lang="zh-CN" altLang="en-US"/>
           </a:p>
           <a:p>
             <a:pPr lvl="3"/>
@@ -2308,7 +2336,6 @@
               <a:rPr lang="zh-CN" altLang="en-US"/>
               <a:t>第四级</a:t>
             </a:r>
-            <a:endParaRPr lang="zh-CN" altLang="en-US"/>
           </a:p>
           <a:p>
             <a:pPr lvl="4"/>
@@ -2382,7 +2409,6 @@
               <a:rPr lang="zh-CN" altLang="en-US"/>
               <a:t>单击此处编辑母版文本样式</a:t>
             </a:r>
-            <a:endParaRPr lang="zh-CN" altLang="en-US"/>
           </a:p>
         </p:txBody>
       </p:sp>
@@ -2411,7 +2437,6 @@
               <a:rPr lang="zh-CN" altLang="en-US"/>
               <a:t>单击此处编辑母版文本样式</a:t>
             </a:r>
-            <a:endParaRPr lang="zh-CN" altLang="en-US"/>
           </a:p>
           <a:p>
             <a:pPr lvl="1"/>
@@ -2419,7 +2444,6 @@
               <a:rPr lang="zh-CN" altLang="en-US"/>
               <a:t>第二级</a:t>
             </a:r>
-            <a:endParaRPr lang="zh-CN" altLang="en-US"/>
           </a:p>
           <a:p>
             <a:pPr lvl="2"/>
@@ -2427,7 +2451,6 @@
               <a:rPr lang="zh-CN" altLang="en-US"/>
               <a:t>第三级</a:t>
             </a:r>
-            <a:endParaRPr lang="zh-CN" altLang="en-US"/>
           </a:p>
           <a:p>
             <a:pPr lvl="3"/>
@@ -2435,7 +2458,6 @@
               <a:rPr lang="zh-CN" altLang="en-US"/>
               <a:t>第四级</a:t>
             </a:r>
-            <a:endParaRPr lang="zh-CN" altLang="en-US"/>
           </a:p>
           <a:p>
             <a:pPr lvl="4"/>
@@ -2470,6 +2492,7 @@
                   </a:prstClr>
                 </a:solidFill>
               </a:rPr>
+              <a:t>26/10/2017</a:t>
             </a:fld>
             <a:endParaRPr lang="zh-HK" altLang="en-US">
               <a:solidFill>
@@ -2529,6 +2552,7 @@
                   </a:prstClr>
                 </a:solidFill>
               </a:rPr>
+              <a:t>‹#›</a:t>
             </a:fld>
             <a:endParaRPr lang="zh-HK" altLang="en-US">
               <a:solidFill>
@@ -2614,6 +2638,7 @@
                   </a:prstClr>
                 </a:solidFill>
               </a:rPr>
+              <a:t>26/10/2017</a:t>
             </a:fld>
             <a:endParaRPr lang="zh-HK" altLang="en-US">
               <a:solidFill>
@@ -2673,6 +2698,7 @@
                   </a:prstClr>
                 </a:solidFill>
               </a:rPr>
+              <a:t>‹#›</a:t>
             </a:fld>
             <a:endParaRPr lang="zh-HK" altLang="en-US">
               <a:solidFill>
@@ -2735,6 +2761,7 @@
                   </a:prstClr>
                 </a:solidFill>
               </a:rPr>
+              <a:t>26/10/2017</a:t>
             </a:fld>
             <a:endParaRPr lang="zh-HK" altLang="en-US">
               <a:solidFill>
@@ -2794,6 +2821,7 @@
                   </a:prstClr>
                 </a:solidFill>
               </a:rPr>
+              <a:t>‹#›</a:t>
             </a:fld>
             <a:endParaRPr lang="zh-HK" altLang="en-US">
               <a:solidFill>
@@ -2918,7 +2946,6 @@
               <a:rPr lang="zh-CN" altLang="en-US"/>
               <a:t>单击此处编辑母版文本样式</a:t>
             </a:r>
-            <a:endParaRPr lang="zh-CN" altLang="en-US"/>
           </a:p>
           <a:p>
             <a:pPr lvl="1"/>
@@ -2926,7 +2953,6 @@
               <a:rPr lang="zh-CN" altLang="en-US"/>
               <a:t>第二级</a:t>
             </a:r>
-            <a:endParaRPr lang="zh-CN" altLang="en-US"/>
           </a:p>
           <a:p>
             <a:pPr lvl="2"/>
@@ -2934,7 +2960,6 @@
               <a:rPr lang="zh-CN" altLang="en-US"/>
               <a:t>第三级</a:t>
             </a:r>
-            <a:endParaRPr lang="zh-CN" altLang="en-US"/>
           </a:p>
           <a:p>
             <a:pPr lvl="3"/>
@@ -2942,7 +2967,6 @@
               <a:rPr lang="zh-CN" altLang="en-US"/>
               <a:t>第四级</a:t>
             </a:r>
-            <a:endParaRPr lang="zh-CN" altLang="en-US"/>
           </a:p>
           <a:p>
             <a:pPr lvl="4"/>
@@ -3016,7 +3040,6 @@
               <a:rPr lang="zh-CN" altLang="en-US"/>
               <a:t>单击此处编辑母版文本样式</a:t>
             </a:r>
-            <a:endParaRPr lang="zh-CN" altLang="en-US"/>
           </a:p>
         </p:txBody>
       </p:sp>
@@ -3043,6 +3066,7 @@
                   </a:prstClr>
                 </a:solidFill>
               </a:rPr>
+              <a:t>26/10/2017</a:t>
             </a:fld>
             <a:endParaRPr lang="zh-HK" altLang="en-US">
               <a:solidFill>
@@ -3102,6 +3126,7 @@
                   </a:prstClr>
                 </a:solidFill>
               </a:rPr>
+              <a:t>‹#›</a:t>
             </a:fld>
             <a:endParaRPr lang="zh-HK" altLang="en-US">
               <a:solidFill>
@@ -3184,7 +3209,6 @@
               <a:rPr lang="zh-CN" altLang="en-US"/>
               <a:t>单击此处编辑母版文本样式</a:t>
             </a:r>
-            <a:endParaRPr lang="zh-CN" altLang="en-US"/>
           </a:p>
           <a:p>
             <a:pPr lvl="1"/>
@@ -3192,7 +3216,6 @@
               <a:rPr lang="zh-CN" altLang="en-US"/>
               <a:t>第二级</a:t>
             </a:r>
-            <a:endParaRPr lang="zh-CN" altLang="en-US"/>
           </a:p>
           <a:p>
             <a:pPr lvl="2"/>
@@ -3200,7 +3223,6 @@
               <a:rPr lang="zh-CN" altLang="en-US"/>
               <a:t>第三级</a:t>
             </a:r>
-            <a:endParaRPr lang="zh-CN" altLang="en-US"/>
           </a:p>
           <a:p>
             <a:pPr lvl="3"/>
@@ -3208,7 +3230,6 @@
               <a:rPr lang="zh-CN" altLang="en-US"/>
               <a:t>第四级</a:t>
             </a:r>
-            <a:endParaRPr lang="zh-CN" altLang="en-US"/>
           </a:p>
           <a:p>
             <a:pPr lvl="4"/>
@@ -3237,6 +3258,7 @@
           <a:p>
             <a:fld id="{76EF31D4-1AA4-45E7-8F10-C007A9A6DDB0}" type="datetimeFigureOut">
               <a:rPr lang="zh-HK" altLang="en-US" smtClean="0"/>
+              <a:t>26/10/2017</a:t>
             </a:fld>
             <a:endParaRPr lang="zh-HK" altLang="en-US"/>
           </a:p>
@@ -3278,6 +3300,7 @@
           <a:p>
             <a:fld id="{9E45C72C-05F9-42DA-A32C-E89F323A6F21}" type="slidenum">
               <a:rPr lang="zh-HK" altLang="en-US" smtClean="0"/>
+              <a:t>‹#›</a:t>
             </a:fld>
             <a:endParaRPr lang="zh-HK" altLang="en-US"/>
           </a:p>
@@ -3467,7 +3490,6 @@
               <a:rPr lang="zh-CN" altLang="en-US"/>
               <a:t>单击此处编辑母版文本样式</a:t>
             </a:r>
-            <a:endParaRPr lang="zh-CN" altLang="en-US"/>
           </a:p>
         </p:txBody>
       </p:sp>
@@ -3494,6 +3516,7 @@
                   </a:prstClr>
                 </a:solidFill>
               </a:rPr>
+              <a:t>26/10/2017</a:t>
             </a:fld>
             <a:endParaRPr lang="zh-HK" altLang="en-US">
               <a:solidFill>
@@ -3553,6 +3576,7 @@
                   </a:prstClr>
                 </a:solidFill>
               </a:rPr>
+              <a:t>‹#›</a:t>
             </a:fld>
             <a:endParaRPr lang="zh-HK" altLang="en-US">
               <a:solidFill>
@@ -3635,7 +3659,6 @@
               <a:rPr lang="zh-CN" altLang="en-US"/>
               <a:t>单击此处编辑母版文本样式</a:t>
             </a:r>
-            <a:endParaRPr lang="zh-CN" altLang="en-US"/>
           </a:p>
           <a:p>
             <a:pPr lvl="1"/>
@@ -3643,7 +3666,6 @@
               <a:rPr lang="zh-CN" altLang="en-US"/>
               <a:t>第二级</a:t>
             </a:r>
-            <a:endParaRPr lang="zh-CN" altLang="en-US"/>
           </a:p>
           <a:p>
             <a:pPr lvl="2"/>
@@ -3651,7 +3673,6 @@
               <a:rPr lang="zh-CN" altLang="en-US"/>
               <a:t>第三级</a:t>
             </a:r>
-            <a:endParaRPr lang="zh-CN" altLang="en-US"/>
           </a:p>
           <a:p>
             <a:pPr lvl="3"/>
@@ -3659,7 +3680,6 @@
               <a:rPr lang="zh-CN" altLang="en-US"/>
               <a:t>第四级</a:t>
             </a:r>
-            <a:endParaRPr lang="zh-CN" altLang="en-US"/>
           </a:p>
           <a:p>
             <a:pPr lvl="4"/>
@@ -3694,6 +3714,7 @@
                   </a:prstClr>
                 </a:solidFill>
               </a:rPr>
+              <a:t>26/10/2017</a:t>
             </a:fld>
             <a:endParaRPr lang="zh-HK" altLang="en-US">
               <a:solidFill>
@@ -3753,6 +3774,7 @@
                   </a:prstClr>
                 </a:solidFill>
               </a:rPr>
+              <a:t>‹#›</a:t>
             </a:fld>
             <a:endParaRPr lang="zh-HK" altLang="en-US">
               <a:solidFill>
@@ -3845,7 +3867,6 @@
               <a:rPr lang="zh-CN" altLang="en-US"/>
               <a:t>单击此处编辑母版文本样式</a:t>
             </a:r>
-            <a:endParaRPr lang="zh-CN" altLang="en-US"/>
           </a:p>
           <a:p>
             <a:pPr lvl="1"/>
@@ -3853,7 +3874,6 @@
               <a:rPr lang="zh-CN" altLang="en-US"/>
               <a:t>第二级</a:t>
             </a:r>
-            <a:endParaRPr lang="zh-CN" altLang="en-US"/>
           </a:p>
           <a:p>
             <a:pPr lvl="2"/>
@@ -3861,7 +3881,6 @@
               <a:rPr lang="zh-CN" altLang="en-US"/>
               <a:t>第三级</a:t>
             </a:r>
-            <a:endParaRPr lang="zh-CN" altLang="en-US"/>
           </a:p>
           <a:p>
             <a:pPr lvl="3"/>
@@ -3869,7 +3888,6 @@
               <a:rPr lang="zh-CN" altLang="en-US"/>
               <a:t>第四级</a:t>
             </a:r>
-            <a:endParaRPr lang="zh-CN" altLang="en-US"/>
           </a:p>
           <a:p>
             <a:pPr lvl="4"/>
@@ -3904,6 +3922,7 @@
                   </a:prstClr>
                 </a:solidFill>
               </a:rPr>
+              <a:t>26/10/2017</a:t>
             </a:fld>
             <a:endParaRPr lang="zh-HK" altLang="en-US">
               <a:solidFill>
@@ -3963,6 +3982,7 @@
                   </a:prstClr>
                 </a:solidFill>
               </a:rPr>
+              <a:t>‹#›</a:t>
             </a:fld>
             <a:endParaRPr lang="zh-HK" altLang="en-US">
               <a:solidFill>
@@ -4148,7 +4168,6 @@
               <a:rPr lang="zh-CN" altLang="en-US"/>
               <a:t>单击此处编辑母版文本样式</a:t>
             </a:r>
-            <a:endParaRPr lang="zh-CN" altLang="en-US"/>
           </a:p>
         </p:txBody>
       </p:sp>
@@ -4169,6 +4188,7 @@
           <a:p>
             <a:fld id="{76EF31D4-1AA4-45E7-8F10-C007A9A6DDB0}" type="datetimeFigureOut">
               <a:rPr lang="zh-HK" altLang="en-US" smtClean="0"/>
+              <a:t>26/10/2017</a:t>
             </a:fld>
             <a:endParaRPr lang="zh-HK" altLang="en-US"/>
           </a:p>
@@ -4210,6 +4230,7 @@
           <a:p>
             <a:fld id="{9E45C72C-05F9-42DA-A32C-E89F323A6F21}" type="slidenum">
               <a:rPr lang="zh-HK" altLang="en-US" smtClean="0"/>
+              <a:t>‹#›</a:t>
             </a:fld>
             <a:endParaRPr lang="zh-HK" altLang="en-US"/>
           </a:p>
@@ -4288,7 +4309,6 @@
               <a:rPr lang="zh-CN" altLang="en-US"/>
               <a:t>单击此处编辑母版文本样式</a:t>
             </a:r>
-            <a:endParaRPr lang="zh-CN" altLang="en-US"/>
           </a:p>
           <a:p>
             <a:pPr lvl="1"/>
@@ -4296,7 +4316,6 @@
               <a:rPr lang="zh-CN" altLang="en-US"/>
               <a:t>第二级</a:t>
             </a:r>
-            <a:endParaRPr lang="zh-CN" altLang="en-US"/>
           </a:p>
           <a:p>
             <a:pPr lvl="2"/>
@@ -4304,7 +4323,6 @@
               <a:rPr lang="zh-CN" altLang="en-US"/>
               <a:t>第三级</a:t>
             </a:r>
-            <a:endParaRPr lang="zh-CN" altLang="en-US"/>
           </a:p>
           <a:p>
             <a:pPr lvl="3"/>
@@ -4312,7 +4330,6 @@
               <a:rPr lang="zh-CN" altLang="en-US"/>
               <a:t>第四级</a:t>
             </a:r>
-            <a:endParaRPr lang="zh-CN" altLang="en-US"/>
           </a:p>
           <a:p>
             <a:pPr lvl="4"/>
@@ -4349,7 +4366,6 @@
               <a:rPr lang="zh-CN" altLang="en-US"/>
               <a:t>单击此处编辑母版文本样式</a:t>
             </a:r>
-            <a:endParaRPr lang="zh-CN" altLang="en-US"/>
           </a:p>
           <a:p>
             <a:pPr lvl="1"/>
@@ -4357,7 +4373,6 @@
               <a:rPr lang="zh-CN" altLang="en-US"/>
               <a:t>第二级</a:t>
             </a:r>
-            <a:endParaRPr lang="zh-CN" altLang="en-US"/>
           </a:p>
           <a:p>
             <a:pPr lvl="2"/>
@@ -4365,7 +4380,6 @@
               <a:rPr lang="zh-CN" altLang="en-US"/>
               <a:t>第三级</a:t>
             </a:r>
-            <a:endParaRPr lang="zh-CN" altLang="en-US"/>
           </a:p>
           <a:p>
             <a:pPr lvl="3"/>
@@ -4373,7 +4387,6 @@
               <a:rPr lang="zh-CN" altLang="en-US"/>
               <a:t>第四级</a:t>
             </a:r>
-            <a:endParaRPr lang="zh-CN" altLang="en-US"/>
           </a:p>
           <a:p>
             <a:pPr lvl="4"/>
@@ -4402,6 +4415,7 @@
           <a:p>
             <a:fld id="{76EF31D4-1AA4-45E7-8F10-C007A9A6DDB0}" type="datetimeFigureOut">
               <a:rPr lang="zh-HK" altLang="en-US" smtClean="0"/>
+              <a:t>26/10/2017</a:t>
             </a:fld>
             <a:endParaRPr lang="zh-HK" altLang="en-US"/>
           </a:p>
@@ -4443,6 +4457,7 @@
           <a:p>
             <a:fld id="{9E45C72C-05F9-42DA-A32C-E89F323A6F21}" type="slidenum">
               <a:rPr lang="zh-HK" altLang="en-US" smtClean="0"/>
+              <a:t>‹#›</a:t>
             </a:fld>
             <a:endParaRPr lang="zh-HK" altLang="en-US"/>
           </a:p>
@@ -4563,7 +4578,6 @@
               <a:rPr lang="zh-CN" altLang="en-US"/>
               <a:t>单击此处编辑母版文本样式</a:t>
             </a:r>
-            <a:endParaRPr lang="zh-CN" altLang="en-US"/>
           </a:p>
         </p:txBody>
       </p:sp>
@@ -4592,7 +4606,6 @@
               <a:rPr lang="zh-CN" altLang="en-US"/>
               <a:t>单击此处编辑母版文本样式</a:t>
             </a:r>
-            <a:endParaRPr lang="zh-CN" altLang="en-US"/>
           </a:p>
           <a:p>
             <a:pPr lvl="1"/>
@@ -4600,7 +4613,6 @@
               <a:rPr lang="zh-CN" altLang="en-US"/>
               <a:t>第二级</a:t>
             </a:r>
-            <a:endParaRPr lang="zh-CN" altLang="en-US"/>
           </a:p>
           <a:p>
             <a:pPr lvl="2"/>
@@ -4608,7 +4620,6 @@
               <a:rPr lang="zh-CN" altLang="en-US"/>
               <a:t>第三级</a:t>
             </a:r>
-            <a:endParaRPr lang="zh-CN" altLang="en-US"/>
           </a:p>
           <a:p>
             <a:pPr lvl="3"/>
@@ -4616,7 +4627,6 @@
               <a:rPr lang="zh-CN" altLang="en-US"/>
               <a:t>第四级</a:t>
             </a:r>
-            <a:endParaRPr lang="zh-CN" altLang="en-US"/>
           </a:p>
           <a:p>
             <a:pPr lvl="4"/>
@@ -4690,7 +4700,6 @@
               <a:rPr lang="zh-CN" altLang="en-US"/>
               <a:t>单击此处编辑母版文本样式</a:t>
             </a:r>
-            <a:endParaRPr lang="zh-CN" altLang="en-US"/>
           </a:p>
         </p:txBody>
       </p:sp>
@@ -4719,7 +4728,6 @@
               <a:rPr lang="zh-CN" altLang="en-US"/>
               <a:t>单击此处编辑母版文本样式</a:t>
             </a:r>
-            <a:endParaRPr lang="zh-CN" altLang="en-US"/>
           </a:p>
           <a:p>
             <a:pPr lvl="1"/>
@@ -4727,7 +4735,6 @@
               <a:rPr lang="zh-CN" altLang="en-US"/>
               <a:t>第二级</a:t>
             </a:r>
-            <a:endParaRPr lang="zh-CN" altLang="en-US"/>
           </a:p>
           <a:p>
             <a:pPr lvl="2"/>
@@ -4735,7 +4742,6 @@
               <a:rPr lang="zh-CN" altLang="en-US"/>
               <a:t>第三级</a:t>
             </a:r>
-            <a:endParaRPr lang="zh-CN" altLang="en-US"/>
           </a:p>
           <a:p>
             <a:pPr lvl="3"/>
@@ -4743,7 +4749,6 @@
               <a:rPr lang="zh-CN" altLang="en-US"/>
               <a:t>第四级</a:t>
             </a:r>
-            <a:endParaRPr lang="zh-CN" altLang="en-US"/>
           </a:p>
           <a:p>
             <a:pPr lvl="4"/>
@@ -4772,6 +4777,7 @@
           <a:p>
             <a:fld id="{76EF31D4-1AA4-45E7-8F10-C007A9A6DDB0}" type="datetimeFigureOut">
               <a:rPr lang="zh-HK" altLang="en-US" smtClean="0"/>
+              <a:t>26/10/2017</a:t>
             </a:fld>
             <a:endParaRPr lang="zh-HK" altLang="en-US"/>
           </a:p>
@@ -4813,6 +4819,7 @@
           <a:p>
             <a:fld id="{9E45C72C-05F9-42DA-A32C-E89F323A6F21}" type="slidenum">
               <a:rPr lang="zh-HK" altLang="en-US" smtClean="0"/>
+              <a:t>‹#›</a:t>
             </a:fld>
             <a:endParaRPr lang="zh-HK" altLang="en-US"/>
           </a:p>
@@ -4883,6 +4890,7 @@
           <a:p>
             <a:fld id="{76EF31D4-1AA4-45E7-8F10-C007A9A6DDB0}" type="datetimeFigureOut">
               <a:rPr lang="zh-HK" altLang="en-US" smtClean="0"/>
+              <a:t>26/10/2017</a:t>
             </a:fld>
             <a:endParaRPr lang="zh-HK" altLang="en-US"/>
           </a:p>
@@ -4924,6 +4932,7 @@
           <a:p>
             <a:fld id="{9E45C72C-05F9-42DA-A32C-E89F323A6F21}" type="slidenum">
               <a:rPr lang="zh-HK" altLang="en-US" smtClean="0"/>
+              <a:t>‹#›</a:t>
             </a:fld>
             <a:endParaRPr lang="zh-HK" altLang="en-US"/>
           </a:p>
@@ -4971,6 +4980,7 @@
           <a:p>
             <a:fld id="{76EF31D4-1AA4-45E7-8F10-C007A9A6DDB0}" type="datetimeFigureOut">
               <a:rPr lang="zh-HK" altLang="en-US" smtClean="0"/>
+              <a:t>26/10/2017</a:t>
             </a:fld>
             <a:endParaRPr lang="zh-HK" altLang="en-US"/>
           </a:p>
@@ -5012,6 +5022,7 @@
           <a:p>
             <a:fld id="{9E45C72C-05F9-42DA-A32C-E89F323A6F21}" type="slidenum">
               <a:rPr lang="zh-HK" altLang="en-US" smtClean="0"/>
+              <a:t>‹#›</a:t>
             </a:fld>
             <a:endParaRPr lang="zh-HK" altLang="en-US"/>
           </a:p>
@@ -5127,7 +5138,6 @@
               <a:rPr lang="zh-CN" altLang="en-US"/>
               <a:t>单击此处编辑母版文本样式</a:t>
             </a:r>
-            <a:endParaRPr lang="zh-CN" altLang="en-US"/>
           </a:p>
           <a:p>
             <a:pPr lvl="1"/>
@@ -5135,7 +5145,6 @@
               <a:rPr lang="zh-CN" altLang="en-US"/>
               <a:t>第二级</a:t>
             </a:r>
-            <a:endParaRPr lang="zh-CN" altLang="en-US"/>
           </a:p>
           <a:p>
             <a:pPr lvl="2"/>
@@ -5143,7 +5152,6 @@
               <a:rPr lang="zh-CN" altLang="en-US"/>
               <a:t>第三级</a:t>
             </a:r>
-            <a:endParaRPr lang="zh-CN" altLang="en-US"/>
           </a:p>
           <a:p>
             <a:pPr lvl="3"/>
@@ -5151,7 +5159,6 @@
               <a:rPr lang="zh-CN" altLang="en-US"/>
               <a:t>第四级</a:t>
             </a:r>
-            <a:endParaRPr lang="zh-CN" altLang="en-US"/>
           </a:p>
           <a:p>
             <a:pPr lvl="4"/>
@@ -5225,7 +5232,6 @@
               <a:rPr lang="zh-CN" altLang="en-US"/>
               <a:t>单击此处编辑母版文本样式</a:t>
             </a:r>
-            <a:endParaRPr lang="zh-CN" altLang="en-US"/>
           </a:p>
         </p:txBody>
       </p:sp>
@@ -5246,6 +5252,7 @@
           <a:p>
             <a:fld id="{76EF31D4-1AA4-45E7-8F10-C007A9A6DDB0}" type="datetimeFigureOut">
               <a:rPr lang="zh-HK" altLang="en-US" smtClean="0"/>
+              <a:t>26/10/2017</a:t>
             </a:fld>
             <a:endParaRPr lang="zh-HK" altLang="en-US"/>
           </a:p>
@@ -5287,6 +5294,7 @@
           <a:p>
             <a:fld id="{9E45C72C-05F9-42DA-A32C-E89F323A6F21}" type="slidenum">
               <a:rPr lang="zh-HK" altLang="en-US" smtClean="0"/>
+              <a:t>‹#›</a:t>
             </a:fld>
             <a:endParaRPr lang="zh-HK" altLang="en-US"/>
           </a:p>
@@ -5476,7 +5484,6 @@
               <a:rPr lang="zh-CN" altLang="en-US"/>
               <a:t>单击此处编辑母版文本样式</a:t>
             </a:r>
-            <a:endParaRPr lang="zh-CN" altLang="en-US"/>
           </a:p>
         </p:txBody>
       </p:sp>
@@ -5497,6 +5504,7 @@
           <a:p>
             <a:fld id="{76EF31D4-1AA4-45E7-8F10-C007A9A6DDB0}" type="datetimeFigureOut">
               <a:rPr lang="zh-HK" altLang="en-US" smtClean="0"/>
+              <a:t>26/10/2017</a:t>
             </a:fld>
             <a:endParaRPr lang="zh-HK" altLang="en-US"/>
           </a:p>
@@ -5538,6 +5546,7 @@
           <a:p>
             <a:fld id="{9E45C72C-05F9-42DA-A32C-E89F323A6F21}" type="slidenum">
               <a:rPr lang="zh-HK" altLang="en-US" smtClean="0"/>
+              <a:t>‹#›</a:t>
             </a:fld>
             <a:endParaRPr lang="zh-HK" altLang="en-US"/>
           </a:p>
@@ -5557,7 +5566,7 @@
     <p:bg>
       <p:bgPr>
         <a:blipFill dpi="0" rotWithShape="1">
-          <a:blip r:embed="rId12" cstate="print">
+          <a:blip r:embed="rId13" cstate="print">
             <a:lum/>
           </a:blip>
           <a:srcRect/>
@@ -5643,7 +5652,6 @@
               <a:rPr lang="zh-CN" altLang="en-US"/>
               <a:t>单击此处编辑母版文本样式</a:t>
             </a:r>
-            <a:endParaRPr lang="zh-CN" altLang="en-US"/>
           </a:p>
           <a:p>
             <a:pPr lvl="1"/>
@@ -5651,7 +5659,6 @@
               <a:rPr lang="zh-CN" altLang="en-US"/>
               <a:t>第二级</a:t>
             </a:r>
-            <a:endParaRPr lang="zh-CN" altLang="en-US"/>
           </a:p>
           <a:p>
             <a:pPr lvl="2"/>
@@ -5659,7 +5666,6 @@
               <a:rPr lang="zh-CN" altLang="en-US"/>
               <a:t>第三级</a:t>
             </a:r>
-            <a:endParaRPr lang="zh-CN" altLang="en-US"/>
           </a:p>
           <a:p>
             <a:pPr lvl="3"/>
@@ -5667,7 +5673,6 @@
               <a:rPr lang="zh-CN" altLang="en-US"/>
               <a:t>第四级</a:t>
             </a:r>
-            <a:endParaRPr lang="zh-CN" altLang="en-US"/>
           </a:p>
           <a:p>
             <a:pPr lvl="4"/>
@@ -5714,6 +5719,7 @@
           <a:p>
             <a:fld id="{76EF31D4-1AA4-45E7-8F10-C007A9A6DDB0}" type="datetimeFigureOut">
               <a:rPr lang="zh-HK" altLang="en-US" smtClean="0"/>
+              <a:t>26/10/2017</a:t>
             </a:fld>
             <a:endParaRPr lang="zh-HK" altLang="en-US"/>
           </a:p>
@@ -5791,6 +5797,7 @@
           <a:p>
             <a:fld id="{9E45C72C-05F9-42DA-A32C-E89F323A6F21}" type="slidenum">
               <a:rPr lang="zh-HK" altLang="en-US" smtClean="0"/>
+              <a:t>‹#›</a:t>
             </a:fld>
             <a:endParaRPr lang="zh-HK" altLang="en-US"/>
           </a:p>
@@ -6101,7 +6108,7 @@
     <p:bg>
       <p:bgPr>
         <a:blipFill dpi="0" rotWithShape="1">
-          <a:blip r:embed="rId12" cstate="print">
+          <a:blip r:embed="rId13" cstate="print">
             <a:lum/>
           </a:blip>
           <a:srcRect/>
@@ -6187,7 +6194,6 @@
               <a:rPr lang="zh-CN" altLang="en-US"/>
               <a:t>单击此处编辑母版文本样式</a:t>
             </a:r>
-            <a:endParaRPr lang="zh-CN" altLang="en-US"/>
           </a:p>
           <a:p>
             <a:pPr lvl="1"/>
@@ -6195,7 +6201,6 @@
               <a:rPr lang="zh-CN" altLang="en-US"/>
               <a:t>第二级</a:t>
             </a:r>
-            <a:endParaRPr lang="zh-CN" altLang="en-US"/>
           </a:p>
           <a:p>
             <a:pPr lvl="2"/>
@@ -6203,7 +6208,6 @@
               <a:rPr lang="zh-CN" altLang="en-US"/>
               <a:t>第三级</a:t>
             </a:r>
-            <a:endParaRPr lang="zh-CN" altLang="en-US"/>
           </a:p>
           <a:p>
             <a:pPr lvl="3"/>
@@ -6211,7 +6215,6 @@
               <a:rPr lang="zh-CN" altLang="en-US"/>
               <a:t>第四级</a:t>
             </a:r>
-            <a:endParaRPr lang="zh-CN" altLang="en-US"/>
           </a:p>
           <a:p>
             <a:pPr lvl="4"/>
@@ -6264,6 +6267,7 @@
                   </a:prstClr>
                 </a:solidFill>
               </a:rPr>
+              <a:t>26/10/2017</a:t>
             </a:fld>
             <a:endParaRPr lang="zh-HK" altLang="en-US">
               <a:solidFill>
@@ -6359,6 +6363,7 @@
                   </a:prstClr>
                 </a:solidFill>
               </a:rPr>
+              <a:t>‹#›</a:t>
             </a:fld>
             <a:endParaRPr lang="zh-HK" altLang="en-US">
               <a:solidFill>
@@ -7197,7 +7202,7 @@
           <p:nvPr/>
         </p:nvPicPr>
         <p:blipFill>
-          <a:blip r:embed="rId1" cstate="print">
+          <a:blip r:embed="rId2" cstate="print">
             <a:extLst>
               <a:ext uri="{28A0092B-C50C-407E-A947-70E740481C1C}">
                 <a14:useLocalDpi xmlns:a14="http://schemas.microsoft.com/office/drawing/2010/main" val="0"/>
@@ -7252,7 +7257,7 @@
           <p:nvPr/>
         </p:nvPicPr>
         <p:blipFill>
-          <a:blip r:embed="rId1">
+          <a:blip r:embed="rId2">
             <a:extLst>
               <a:ext uri="{28A0092B-C50C-407E-A947-70E740481C1C}">
                 <a14:useLocalDpi xmlns:a14="http://schemas.microsoft.com/office/drawing/2010/main" val="0"/>
@@ -7343,10 +7348,6 @@
               </a:rPr>
               <a:t>数据流、处理流</a:t>
             </a:r>
-            <a:endParaRPr lang="zh-CN" altLang="en-US" sz="2400" dirty="0">
-              <a:latin typeface="黑体" panose="02010609060101010101" pitchFamily="49" charset="-122"/>
-              <a:ea typeface="黑体" panose="02010609060101010101" pitchFamily="49" charset="-122"/>
-            </a:endParaRPr>
           </a:p>
         </p:txBody>
       </p:sp>
@@ -7898,7 +7899,7 @@
     <p:bg>
       <p:bgPr>
         <a:blipFill dpi="0" rotWithShape="1">
-          <a:blip r:embed="rId1" cstate="print">
+          <a:blip r:embed="rId2" cstate="print">
             <a:lum/>
           </a:blip>
           <a:srcRect/>
@@ -8621,11 +8622,6 @@
               </a:rPr>
               <a:t>表（工作结构分解表）</a:t>
             </a:r>
-            <a:endParaRPr lang="zh-CN" altLang="en-US" dirty="0">
-              <a:solidFill>
-                <a:schemeClr val="bg1"/>
-              </a:solidFill>
-            </a:endParaRPr>
           </a:p>
         </p:txBody>
       </p:sp>
@@ -9169,7 +9165,7 @@
           <p:nvPr/>
         </p:nvPicPr>
         <p:blipFill>
-          <a:blip r:embed="rId1"/>
+          <a:blip r:embed="rId2"/>
           <a:stretch>
             <a:fillRect/>
           </a:stretch>
@@ -9267,11 +9263,6 @@
               </a:rPr>
               <a:t>表（工作结构分解表）</a:t>
             </a:r>
-            <a:endParaRPr lang="zh-CN" altLang="en-US" dirty="0">
-              <a:solidFill>
-                <a:schemeClr val="bg1"/>
-              </a:solidFill>
-            </a:endParaRPr>
           </a:p>
         </p:txBody>
       </p:sp>
@@ -9815,7 +9806,7 @@
           <p:nvPr/>
         </p:nvPicPr>
         <p:blipFill>
-          <a:blip r:embed="rId1"/>
+          <a:blip r:embed="rId2"/>
           <a:stretch>
             <a:fillRect/>
           </a:stretch>
@@ -10436,11 +10427,6 @@
               </a:rPr>
               <a:t>项目的甘特图</a:t>
             </a:r>
-            <a:endParaRPr lang="zh-CN" altLang="en-US" dirty="0">
-              <a:solidFill>
-                <a:schemeClr val="bg1"/>
-              </a:solidFill>
-            </a:endParaRPr>
           </a:p>
         </p:txBody>
       </p:sp>
@@ -10453,7 +10439,7 @@
           <p:nvPr/>
         </p:nvPicPr>
         <p:blipFill>
-          <a:blip r:embed="rId1"/>
+          <a:blip r:embed="rId2"/>
           <a:stretch>
             <a:fillRect/>
           </a:stretch>
@@ -11074,11 +11060,6 @@
               </a:rPr>
               <a:t>项目的甘特图</a:t>
             </a:r>
-            <a:endParaRPr lang="zh-CN" altLang="en-US" dirty="0">
-              <a:solidFill>
-                <a:schemeClr val="bg1"/>
-              </a:solidFill>
-            </a:endParaRPr>
           </a:p>
         </p:txBody>
       </p:sp>
@@ -11091,7 +11072,7 @@
           <p:nvPr/>
         </p:nvPicPr>
         <p:blipFill>
-          <a:blip r:embed="rId1"/>
+          <a:blip r:embed="rId2"/>
           <a:stretch>
             <a:fillRect/>
           </a:stretch>
@@ -11180,10 +11161,6 @@
               </a:rPr>
               <a:t>组织分解结构图</a:t>
             </a:r>
-            <a:endParaRPr lang="zh-CN" altLang="en-US" sz="2400" dirty="0">
-              <a:latin typeface="黑体" panose="02010609060101010101" pitchFamily="49" charset="-122"/>
-              <a:ea typeface="黑体" panose="02010609060101010101" pitchFamily="49" charset="-122"/>
-            </a:endParaRPr>
           </a:p>
         </p:txBody>
       </p:sp>
@@ -11727,7 +11704,7 @@
           <p:nvPr/>
         </p:nvPicPr>
         <p:blipFill>
-          <a:blip r:embed="rId1"/>
+          <a:blip r:embed="rId2"/>
           <a:stretch>
             <a:fillRect/>
           </a:stretch>
@@ -11751,7 +11728,7 @@
           <p:nvPr/>
         </p:nvPicPr>
         <p:blipFill>
-          <a:blip r:embed="rId2"/>
+          <a:blip r:embed="rId3"/>
           <a:stretch>
             <a:fillRect/>
           </a:stretch>
@@ -11854,10 +11831,6 @@
               </a:rPr>
               <a:t>图</a:t>
             </a:r>
-            <a:endParaRPr lang="zh-CN" altLang="en-US" sz="2400" dirty="0">
-              <a:latin typeface="黑体" panose="02010609060101010101" pitchFamily="49" charset="-122"/>
-              <a:ea typeface="黑体" panose="02010609060101010101" pitchFamily="49" charset="-122"/>
-            </a:endParaRPr>
           </a:p>
         </p:txBody>
       </p:sp>
@@ -12944,13 +12917,55 @@
                 <a:tableStyleId>{5C22544A-7EE6-4342-B048-85BDC9FD1C3A}</a:tableStyleId>
               </a:tblPr>
               <a:tblGrid>
-                <a:gridCol w="1658909"/>
-                <a:gridCol w="1242685"/>
-                <a:gridCol w="1018102"/>
-                <a:gridCol w="1063019"/>
-                <a:gridCol w="1197769"/>
-                <a:gridCol w="1109930"/>
-                <a:gridCol w="1215735"/>
+                <a:gridCol w="1658909">
+                  <a:extLst>
+                    <a:ext uri="{9D8B030D-6E8A-4147-A177-3AD203B41FA5}">
+                      <a16:colId xmlns:a16="http://schemas.microsoft.com/office/drawing/2014/main" val="20000"/>
+                    </a:ext>
+                  </a:extLst>
+                </a:gridCol>
+                <a:gridCol w="1242685">
+                  <a:extLst>
+                    <a:ext uri="{9D8B030D-6E8A-4147-A177-3AD203B41FA5}">
+                      <a16:colId xmlns:a16="http://schemas.microsoft.com/office/drawing/2014/main" val="20001"/>
+                    </a:ext>
+                  </a:extLst>
+                </a:gridCol>
+                <a:gridCol w="1018102">
+                  <a:extLst>
+                    <a:ext uri="{9D8B030D-6E8A-4147-A177-3AD203B41FA5}">
+                      <a16:colId xmlns:a16="http://schemas.microsoft.com/office/drawing/2014/main" val="20002"/>
+                    </a:ext>
+                  </a:extLst>
+                </a:gridCol>
+                <a:gridCol w="1063019">
+                  <a:extLst>
+                    <a:ext uri="{9D8B030D-6E8A-4147-A177-3AD203B41FA5}">
+                      <a16:colId xmlns:a16="http://schemas.microsoft.com/office/drawing/2014/main" val="20003"/>
+                    </a:ext>
+                  </a:extLst>
+                </a:gridCol>
+                <a:gridCol w="1197769">
+                  <a:extLst>
+                    <a:ext uri="{9D8B030D-6E8A-4147-A177-3AD203B41FA5}">
+                      <a16:colId xmlns:a16="http://schemas.microsoft.com/office/drawing/2014/main" val="20004"/>
+                    </a:ext>
+                  </a:extLst>
+                </a:gridCol>
+                <a:gridCol w="1109930">
+                  <a:extLst>
+                    <a:ext uri="{9D8B030D-6E8A-4147-A177-3AD203B41FA5}">
+                      <a16:colId xmlns:a16="http://schemas.microsoft.com/office/drawing/2014/main" val="20005"/>
+                    </a:ext>
+                  </a:extLst>
+                </a:gridCol>
+                <a:gridCol w="1215735">
+                  <a:extLst>
+                    <a:ext uri="{9D8B030D-6E8A-4147-A177-3AD203B41FA5}">
+                      <a16:colId xmlns:a16="http://schemas.microsoft.com/office/drawing/2014/main" val="20006"/>
+                    </a:ext>
+                  </a:extLst>
+                </a:gridCol>
               </a:tblGrid>
               <a:tr h="741043">
                 <a:tc>
@@ -13135,6 +13150,11 @@
                   </a:txBody>
                   <a:tcPr marL="135875" marR="135875" marT="0" marB="0"/>
                 </a:tc>
+                <a:extLst>
+                  <a:ext uri="{0D108BD9-81ED-4DB2-BD59-A6C34878D82A}">
+                    <a16:rowId xmlns:a16="http://schemas.microsoft.com/office/drawing/2014/main" val="10000"/>
+                  </a:ext>
+                </a:extLst>
               </a:tr>
               <a:tr h="317590">
                 <a:tc>
@@ -13319,6 +13339,11 @@
                   </a:txBody>
                   <a:tcPr marL="135875" marR="135875" marT="0" marB="0"/>
                 </a:tc>
+                <a:extLst>
+                  <a:ext uri="{0D108BD9-81ED-4DB2-BD59-A6C34878D82A}">
+                    <a16:rowId xmlns:a16="http://schemas.microsoft.com/office/drawing/2014/main" val="10001"/>
+                  </a:ext>
+                </a:extLst>
               </a:tr>
               <a:tr h="635180">
                 <a:tc>
@@ -13503,6 +13528,11 @@
                   </a:txBody>
                   <a:tcPr marL="135875" marR="135875" marT="0" marB="0"/>
                 </a:tc>
+                <a:extLst>
+                  <a:ext uri="{0D108BD9-81ED-4DB2-BD59-A6C34878D82A}">
+                    <a16:rowId xmlns:a16="http://schemas.microsoft.com/office/drawing/2014/main" val="10002"/>
+                  </a:ext>
+                </a:extLst>
               </a:tr>
               <a:tr h="317590">
                 <a:tc>
@@ -13687,6 +13717,11 @@
                   </a:txBody>
                   <a:tcPr marL="135875" marR="135875" marT="0" marB="0"/>
                 </a:tc>
+                <a:extLst>
+                  <a:ext uri="{0D108BD9-81ED-4DB2-BD59-A6C34878D82A}">
+                    <a16:rowId xmlns:a16="http://schemas.microsoft.com/office/drawing/2014/main" val="10003"/>
+                  </a:ext>
+                </a:extLst>
               </a:tr>
               <a:tr h="317590">
                 <a:tc>
@@ -13871,6 +13906,11 @@
                   </a:txBody>
                   <a:tcPr marL="135875" marR="135875" marT="0" marB="0"/>
                 </a:tc>
+                <a:extLst>
+                  <a:ext uri="{0D108BD9-81ED-4DB2-BD59-A6C34878D82A}">
+                    <a16:rowId xmlns:a16="http://schemas.microsoft.com/office/drawing/2014/main" val="10004"/>
+                  </a:ext>
+                </a:extLst>
               </a:tr>
               <a:tr h="317590">
                 <a:tc>
@@ -14055,6 +14095,11 @@
                   </a:txBody>
                   <a:tcPr marL="135875" marR="135875" marT="0" marB="0"/>
                 </a:tc>
+                <a:extLst>
+                  <a:ext uri="{0D108BD9-81ED-4DB2-BD59-A6C34878D82A}">
+                    <a16:rowId xmlns:a16="http://schemas.microsoft.com/office/drawing/2014/main" val="10005"/>
+                  </a:ext>
+                </a:extLst>
               </a:tr>
               <a:tr h="317590">
                 <a:tc>
@@ -14239,6 +14284,11 @@
                   </a:txBody>
                   <a:tcPr marL="135875" marR="135875" marT="0" marB="0"/>
                 </a:tc>
+                <a:extLst>
+                  <a:ext uri="{0D108BD9-81ED-4DB2-BD59-A6C34878D82A}">
+                    <a16:rowId xmlns:a16="http://schemas.microsoft.com/office/drawing/2014/main" val="10006"/>
+                  </a:ext>
+                </a:extLst>
               </a:tr>
               <a:tr h="317590">
                 <a:tc>
@@ -14423,6 +14473,11 @@
                   </a:txBody>
                   <a:tcPr marL="135875" marR="135875" marT="0" marB="0"/>
                 </a:tc>
+                <a:extLst>
+                  <a:ext uri="{0D108BD9-81ED-4DB2-BD59-A6C34878D82A}">
+                    <a16:rowId xmlns:a16="http://schemas.microsoft.com/office/drawing/2014/main" val="10007"/>
+                  </a:ext>
+                </a:extLst>
               </a:tr>
               <a:tr h="317590">
                 <a:tc>
@@ -14607,6 +14662,11 @@
                   </a:txBody>
                   <a:tcPr marL="135875" marR="135875" marT="0" marB="0"/>
                 </a:tc>
+                <a:extLst>
+                  <a:ext uri="{0D108BD9-81ED-4DB2-BD59-A6C34878D82A}">
+                    <a16:rowId xmlns:a16="http://schemas.microsoft.com/office/drawing/2014/main" val="10008"/>
+                  </a:ext>
+                </a:extLst>
               </a:tr>
             </a:tbl>
           </a:graphicData>
@@ -14658,13 +14718,6 @@
               </a:rPr>
               <a:t>主要负责人</a:t>
             </a:r>
-            <a:endParaRPr lang="zh-CN" altLang="zh-CN" sz="3200" b="1" kern="100" dirty="0">
-              <a:solidFill>
-                <a:srgbClr val="E74E3E"/>
-              </a:solidFill>
-              <a:latin typeface="Calibri" panose="020F0502020204030204" pitchFamily="34" charset="0"/>
-              <a:cs typeface="Times New Roman" panose="02020603050405020304" pitchFamily="18" charset="0"/>
-            </a:endParaRPr>
           </a:p>
           <a:p>
             <a:pPr algn="just">
@@ -14692,13 +14745,6 @@
               </a:rPr>
               <a:t>复审</a:t>
             </a:r>
-            <a:endParaRPr lang="zh-CN" altLang="zh-CN" sz="3200" b="1" kern="100" dirty="0">
-              <a:solidFill>
-                <a:srgbClr val="E74E3E"/>
-              </a:solidFill>
-              <a:latin typeface="Calibri" panose="020F0502020204030204" pitchFamily="34" charset="0"/>
-              <a:cs typeface="Times New Roman" panose="02020603050405020304" pitchFamily="18" charset="0"/>
-            </a:endParaRPr>
           </a:p>
         </p:txBody>
       </p:sp>
@@ -14748,13 +14794,6 @@
               </a:rPr>
               <a:t>通知到位 </a:t>
             </a:r>
-            <a:endParaRPr lang="zh-CN" altLang="zh-CN" sz="3200" b="1" kern="100" dirty="0">
-              <a:solidFill>
-                <a:srgbClr val="E74E3E"/>
-              </a:solidFill>
-              <a:latin typeface="Calibri" panose="020F0502020204030204" pitchFamily="34" charset="0"/>
-              <a:cs typeface="Times New Roman" panose="02020603050405020304" pitchFamily="18" charset="0"/>
-            </a:endParaRPr>
           </a:p>
           <a:p>
             <a:pPr algn="just">
@@ -14782,13 +14821,6 @@
               </a:rPr>
               <a:t>审核</a:t>
             </a:r>
-            <a:endParaRPr lang="zh-CN" altLang="zh-CN" sz="3200" b="1" kern="100" dirty="0">
-              <a:solidFill>
-                <a:srgbClr val="E74E3E"/>
-              </a:solidFill>
-              <a:latin typeface="Calibri" panose="020F0502020204030204" pitchFamily="34" charset="0"/>
-              <a:cs typeface="Times New Roman" panose="02020603050405020304" pitchFamily="18" charset="0"/>
-            </a:endParaRPr>
           </a:p>
         </p:txBody>
       </p:sp>
@@ -15946,7 +15978,7 @@
           <p:nvPr/>
         </p:nvPicPr>
         <p:blipFill>
-          <a:blip r:embed="rId1"/>
+          <a:blip r:embed="rId2"/>
           <a:stretch>
             <a:fillRect/>
           </a:stretch>
@@ -17113,7 +17145,7 @@
           <p:nvPr/>
         </p:nvPicPr>
         <p:blipFill>
-          <a:blip r:embed="rId1"/>
+          <a:blip r:embed="rId2"/>
           <a:stretch>
             <a:fillRect/>
           </a:stretch>
@@ -19392,6 +19424,7 @@
         </p:style>
         <p:txBody>
           <a:bodyPr rtlCol="0" anchor="ctr"/>
+          <a:lstStyle/>
           <a:p>
             <a:pPr algn="ctr"/>
             <a:r>
@@ -19401,10 +19434,6 @@
               </a:rPr>
               <a:t>里程碑</a:t>
             </a:r>
-            <a:endParaRPr lang="zh-CN" altLang="en-US" sz="2400" dirty="0">
-              <a:latin typeface="黑体" panose="02010609060101010101" pitchFamily="49" charset="-122"/>
-              <a:ea typeface="黑体" panose="02010609060101010101" pitchFamily="49" charset="-122"/>
-            </a:endParaRPr>
           </a:p>
         </p:txBody>
       </p:sp>
@@ -19425,15 +19454,40 @@
                 <a:tableStyleId>{5C22544A-7EE6-4342-B048-85BDC9FD1C3A}</a:tableStyleId>
               </a:tblPr>
               <a:tblGrid>
-                <a:gridCol w="2120900"/>
-                <a:gridCol w="2096770"/>
-                <a:gridCol w="2277745"/>
-                <a:gridCol w="1916430"/>
+                <a:gridCol w="2120900">
+                  <a:extLst>
+                    <a:ext uri="{9D8B030D-6E8A-4147-A177-3AD203B41FA5}">
+                      <a16:colId xmlns:a16="http://schemas.microsoft.com/office/drawing/2014/main" val="20000"/>
+                    </a:ext>
+                  </a:extLst>
+                </a:gridCol>
+                <a:gridCol w="2096770">
+                  <a:extLst>
+                    <a:ext uri="{9D8B030D-6E8A-4147-A177-3AD203B41FA5}">
+                      <a16:colId xmlns:a16="http://schemas.microsoft.com/office/drawing/2014/main" val="20001"/>
+                    </a:ext>
+                  </a:extLst>
+                </a:gridCol>
+                <a:gridCol w="2277745">
+                  <a:extLst>
+                    <a:ext uri="{9D8B030D-6E8A-4147-A177-3AD203B41FA5}">
+                      <a16:colId xmlns:a16="http://schemas.microsoft.com/office/drawing/2014/main" val="20002"/>
+                    </a:ext>
+                  </a:extLst>
+                </a:gridCol>
+                <a:gridCol w="1916430">
+                  <a:extLst>
+                    <a:ext uri="{9D8B030D-6E8A-4147-A177-3AD203B41FA5}">
+                      <a16:colId xmlns:a16="http://schemas.microsoft.com/office/drawing/2014/main" val="20003"/>
+                    </a:ext>
+                  </a:extLst>
+                </a:gridCol>
               </a:tblGrid>
               <a:tr h="408940">
                 <a:tc>
                   <a:txBody>
                     <a:bodyPr/>
+                    <a:lstStyle/>
                     <a:p>
                       <a:pPr algn="ctr">
                         <a:buNone/>
@@ -19442,7 +19496,6 @@
                         <a:rPr lang="zh-CN" altLang="en-US" sz="2000"/>
                         <a:t>内容</a:t>
                       </a:r>
-                      <a:endParaRPr lang="zh-CN" altLang="en-US" sz="2000"/>
                     </a:p>
                   </a:txBody>
                   <a:tcPr/>
@@ -19450,6 +19503,7 @@
                 <a:tc>
                   <a:txBody>
                     <a:bodyPr/>
+                    <a:lstStyle/>
                     <a:p>
                       <a:pPr algn="ctr">
                         <a:buNone/>
@@ -19458,7 +19512,6 @@
                         <a:rPr lang="zh-CN" altLang="en-US" sz="2000"/>
                         <a:t>时间</a:t>
                       </a:r>
-                      <a:endParaRPr lang="zh-CN" altLang="en-US" sz="2000"/>
                     </a:p>
                   </a:txBody>
                   <a:tcPr/>
@@ -19466,6 +19519,7 @@
                 <a:tc>
                   <a:txBody>
                     <a:bodyPr/>
+                    <a:lstStyle/>
                     <a:p>
                       <a:pPr algn="ctr">
                         <a:buNone/>
@@ -19484,6 +19538,7 @@
                 <a:tc>
                   <a:txBody>
                     <a:bodyPr/>
+                    <a:lstStyle/>
                     <a:p>
                       <a:pPr algn="ctr">
                         <a:buNone/>
@@ -19499,11 +19554,17 @@
                   </a:txBody>
                   <a:tcPr/>
                 </a:tc>
+                <a:extLst>
+                  <a:ext uri="{0D108BD9-81ED-4DB2-BD59-A6C34878D82A}">
+                    <a16:rowId xmlns:a16="http://schemas.microsoft.com/office/drawing/2014/main" val="10000"/>
+                  </a:ext>
+                </a:extLst>
               </a:tr>
               <a:tr h="393700">
                 <a:tc>
                   <a:txBody>
                     <a:bodyPr/>
+                    <a:lstStyle/>
                     <a:p>
                       <a:pPr algn="ctr">
                         <a:buNone/>
@@ -19537,6 +19598,7 @@
                 <a:tc>
                   <a:txBody>
                     <a:bodyPr/>
+                    <a:lstStyle/>
                     <a:p>
                       <a:pPr algn="ctr">
                         <a:buNone/>
@@ -19570,6 +19632,7 @@
                 <a:tc>
                   <a:txBody>
                     <a:bodyPr/>
+                    <a:lstStyle/>
                     <a:p>
                       <a:pPr algn="ctr">
                         <a:buNone/>
@@ -19592,6 +19655,7 @@
                 <a:tc>
                   <a:txBody>
                     <a:bodyPr/>
+                    <a:lstStyle/>
                     <a:p>
                       <a:pPr algn="ctr">
                         <a:buNone/>
@@ -19631,11 +19695,17 @@
                   </a:txBody>
                   <a:tcPr/>
                 </a:tc>
+                <a:extLst>
+                  <a:ext uri="{0D108BD9-81ED-4DB2-BD59-A6C34878D82A}">
+                    <a16:rowId xmlns:a16="http://schemas.microsoft.com/office/drawing/2014/main" val="10001"/>
+                  </a:ext>
+                </a:extLst>
               </a:tr>
               <a:tr h="393065">
                 <a:tc>
                   <a:txBody>
                     <a:bodyPr/>
+                    <a:lstStyle/>
                     <a:p>
                       <a:pPr algn="ctr">
                         <a:buNone/>
@@ -19669,6 +19739,7 @@
                 <a:tc>
                   <a:txBody>
                     <a:bodyPr/>
+                    <a:lstStyle/>
                     <a:p>
                       <a:pPr algn="ctr">
                         <a:buNone/>
@@ -19702,6 +19773,7 @@
                 <a:tc>
                   <a:txBody>
                     <a:bodyPr/>
+                    <a:lstStyle/>
                     <a:p>
                       <a:pPr algn="ctr">
                         <a:buNone/>
@@ -19721,6 +19793,7 @@
                 <a:tc>
                   <a:txBody>
                     <a:bodyPr/>
+                    <a:lstStyle/>
                     <a:p>
                       <a:pPr algn="ctr">
                         <a:buNone/>
@@ -19751,11 +19824,17 @@
                   </a:txBody>
                   <a:tcPr/>
                 </a:tc>
+                <a:extLst>
+                  <a:ext uri="{0D108BD9-81ED-4DB2-BD59-A6C34878D82A}">
+                    <a16:rowId xmlns:a16="http://schemas.microsoft.com/office/drawing/2014/main" val="10002"/>
+                  </a:ext>
+                </a:extLst>
               </a:tr>
               <a:tr h="393065">
                 <a:tc>
                   <a:txBody>
                     <a:bodyPr/>
+                    <a:lstStyle/>
                     <a:p>
                       <a:pPr algn="ctr">
                         <a:buNone/>
@@ -19789,6 +19868,7 @@
                 <a:tc>
                   <a:txBody>
                     <a:bodyPr/>
+                    <a:lstStyle/>
                     <a:p>
                       <a:pPr algn="ctr">
                         <a:buNone/>
@@ -19822,6 +19902,7 @@
                 <a:tc>
                   <a:txBody>
                     <a:bodyPr/>
+                    <a:lstStyle/>
                     <a:p>
                       <a:pPr algn="ctr">
                         <a:buNone/>
@@ -19841,6 +19922,7 @@
                 <a:tc>
                   <a:txBody>
                     <a:bodyPr/>
+                    <a:lstStyle/>
                     <a:p>
                       <a:pPr algn="ctr">
                         <a:buNone/>
@@ -19871,11 +19953,17 @@
                   </a:txBody>
                   <a:tcPr/>
                 </a:tc>
+                <a:extLst>
+                  <a:ext uri="{0D108BD9-81ED-4DB2-BD59-A6C34878D82A}">
+                    <a16:rowId xmlns:a16="http://schemas.microsoft.com/office/drawing/2014/main" val="10003"/>
+                  </a:ext>
+                </a:extLst>
               </a:tr>
               <a:tr h="393700">
                 <a:tc>
                   <a:txBody>
                     <a:bodyPr/>
+                    <a:lstStyle/>
                     <a:p>
                       <a:pPr algn="ctr">
                         <a:buNone/>
@@ -19930,13 +20018,6 @@
                         </a:rPr>
                         <a:t>》</a:t>
                       </a:r>
-                      <a:endParaRPr lang="en-US" altLang="zh-CN" sz="1800" dirty="0">
-                        <a:solidFill>
-                          <a:schemeClr val="tx1"/>
-                        </a:solidFill>
-                        <a:ea typeface="宋体" panose="02010600030101010101" pitchFamily="2" charset="-122"/>
-                        <a:sym typeface="+mn-ea"/>
-                      </a:endParaRPr>
                     </a:p>
                   </a:txBody>
                   <a:tcPr/>
@@ -19944,6 +20025,7 @@
                 <a:tc>
                   <a:txBody>
                     <a:bodyPr/>
+                    <a:lstStyle/>
                     <a:p>
                       <a:pPr algn="ctr">
                         <a:buNone/>
@@ -19978,13 +20060,6 @@
                         </a:rPr>
                         <a:t>周</a:t>
                       </a:r>
-                      <a:endParaRPr lang="zh-CN" altLang="en-US" sz="1800" dirty="0">
-                        <a:solidFill>
-                          <a:schemeClr val="tx1"/>
-                        </a:solidFill>
-                        <a:ea typeface="宋体" panose="02010600030101010101" pitchFamily="2" charset="-122"/>
-                        <a:sym typeface="+mn-ea"/>
-                      </a:endParaRPr>
                     </a:p>
                   </a:txBody>
                   <a:tcPr/>
@@ -19992,6 +20067,7 @@
                 <a:tc>
                   <a:txBody>
                     <a:bodyPr/>
+                    <a:lstStyle/>
                     <a:p>
                       <a:pPr algn="ctr">
                         <a:buNone/>
@@ -20017,6 +20093,7 @@
                 <a:tc>
                   <a:txBody>
                     <a:bodyPr/>
+                    <a:lstStyle/>
                     <a:p>
                       <a:pPr algn="ctr">
                         <a:buNone/>
@@ -20059,11 +20136,17 @@
                   </a:txBody>
                   <a:tcPr/>
                 </a:tc>
+                <a:extLst>
+                  <a:ext uri="{0D108BD9-81ED-4DB2-BD59-A6C34878D82A}">
+                    <a16:rowId xmlns:a16="http://schemas.microsoft.com/office/drawing/2014/main" val="10004"/>
+                  </a:ext>
+                </a:extLst>
               </a:tr>
               <a:tr h="393065">
                 <a:tc>
                   <a:txBody>
                     <a:bodyPr/>
+                    <a:lstStyle/>
                     <a:p>
                       <a:pPr algn="ctr">
                         <a:buNone/>
@@ -20097,6 +20180,7 @@
                 <a:tc>
                   <a:txBody>
                     <a:bodyPr/>
+                    <a:lstStyle/>
                     <a:p>
                       <a:pPr algn="ctr">
                         <a:buNone/>
@@ -20130,6 +20214,7 @@
                 <a:tc>
                   <a:txBody>
                     <a:bodyPr/>
+                    <a:lstStyle/>
                     <a:p>
                       <a:pPr algn="ctr">
                         <a:buNone/>
@@ -20149,6 +20234,7 @@
                 <a:tc>
                   <a:txBody>
                     <a:bodyPr/>
+                    <a:lstStyle/>
                     <a:p>
                       <a:pPr algn="ctr">
                         <a:buNone/>
@@ -20179,11 +20265,17 @@
                   </a:txBody>
                   <a:tcPr/>
                 </a:tc>
+                <a:extLst>
+                  <a:ext uri="{0D108BD9-81ED-4DB2-BD59-A6C34878D82A}">
+                    <a16:rowId xmlns:a16="http://schemas.microsoft.com/office/drawing/2014/main" val="10005"/>
+                  </a:ext>
+                </a:extLst>
               </a:tr>
               <a:tr h="393700">
                 <a:tc>
                   <a:txBody>
                     <a:bodyPr/>
+                    <a:lstStyle/>
                     <a:p>
                       <a:pPr algn="ctr">
                         <a:buNone/>
@@ -20218,13 +20310,6 @@
                         </a:rPr>
                         <a:t>》</a:t>
                       </a:r>
-                      <a:endParaRPr lang="en-US" altLang="zh-CN" sz="1800" dirty="0">
-                        <a:solidFill>
-                          <a:schemeClr val="tx1"/>
-                        </a:solidFill>
-                        <a:ea typeface="宋体" panose="02010600030101010101" pitchFamily="2" charset="-122"/>
-                        <a:sym typeface="+mn-ea"/>
-                      </a:endParaRPr>
                     </a:p>
                   </a:txBody>
                   <a:tcPr/>
@@ -20232,6 +20317,7 @@
                 <a:tc>
                   <a:txBody>
                     <a:bodyPr/>
+                    <a:lstStyle/>
                     <a:p>
                       <a:pPr algn="ctr">
                         <a:buNone/>
@@ -20266,13 +20352,6 @@
                         </a:rPr>
                         <a:t>周</a:t>
                       </a:r>
-                      <a:endParaRPr lang="zh-CN" altLang="en-US" sz="1800" dirty="0">
-                        <a:solidFill>
-                          <a:schemeClr val="tx1"/>
-                        </a:solidFill>
-                        <a:ea typeface="宋体" panose="02010600030101010101" pitchFamily="2" charset="-122"/>
-                        <a:sym typeface="+mn-ea"/>
-                      </a:endParaRPr>
                     </a:p>
                   </a:txBody>
                   <a:tcPr/>
@@ -20280,6 +20359,7 @@
                 <a:tc>
                   <a:txBody>
                     <a:bodyPr/>
+                    <a:lstStyle/>
                     <a:p>
                       <a:pPr algn="ctr">
                         <a:buNone/>
@@ -20298,6 +20378,7 @@
                 <a:tc>
                   <a:txBody>
                     <a:bodyPr/>
+                    <a:lstStyle/>
                     <a:p>
                       <a:pPr algn="ctr">
                         <a:buNone/>
@@ -20313,11 +20394,17 @@
                   </a:txBody>
                   <a:tcPr/>
                 </a:tc>
+                <a:extLst>
+                  <a:ext uri="{0D108BD9-81ED-4DB2-BD59-A6C34878D82A}">
+                    <a16:rowId xmlns:a16="http://schemas.microsoft.com/office/drawing/2014/main" val="10006"/>
+                  </a:ext>
+                </a:extLst>
               </a:tr>
               <a:tr h="393065">
                 <a:tc>
                   <a:txBody>
                     <a:bodyPr/>
+                    <a:lstStyle/>
                     <a:p>
                       <a:pPr algn="ctr">
                         <a:buNone/>
@@ -20352,13 +20439,6 @@
                         </a:rPr>
                         <a:t>》</a:t>
                       </a:r>
-                      <a:endParaRPr lang="en-US" altLang="zh-CN" sz="1800" dirty="0">
-                        <a:solidFill>
-                          <a:schemeClr val="tx1"/>
-                        </a:solidFill>
-                        <a:ea typeface="宋体" panose="02010600030101010101" pitchFamily="2" charset="-122"/>
-                        <a:sym typeface="+mn-ea"/>
-                      </a:endParaRPr>
                     </a:p>
                   </a:txBody>
                   <a:tcPr/>
@@ -20366,6 +20446,7 @@
                 <a:tc>
                   <a:txBody>
                     <a:bodyPr/>
+                    <a:lstStyle/>
                     <a:p>
                       <a:pPr algn="ctr">
                         <a:buNone/>
@@ -20400,13 +20481,6 @@
                         </a:rPr>
                         <a:t>周</a:t>
                       </a:r>
-                      <a:endParaRPr lang="zh-CN" altLang="en-US" sz="1800" dirty="0">
-                        <a:solidFill>
-                          <a:schemeClr val="tx1"/>
-                        </a:solidFill>
-                        <a:ea typeface="宋体" panose="02010600030101010101" pitchFamily="2" charset="-122"/>
-                        <a:sym typeface="+mn-ea"/>
-                      </a:endParaRPr>
                     </a:p>
                   </a:txBody>
                   <a:tcPr/>
@@ -20414,6 +20488,7 @@
                 <a:tc>
                   <a:txBody>
                     <a:bodyPr/>
+                    <a:lstStyle/>
                     <a:p>
                       <a:pPr algn="ctr">
                         <a:buNone/>
@@ -20432,6 +20507,7 @@
                 <a:tc>
                   <a:txBody>
                     <a:bodyPr/>
+                    <a:lstStyle/>
                     <a:p>
                       <a:pPr algn="ctr">
                         <a:buNone/>
@@ -20447,11 +20523,17 @@
                   </a:txBody>
                   <a:tcPr/>
                 </a:tc>
+                <a:extLst>
+                  <a:ext uri="{0D108BD9-81ED-4DB2-BD59-A6C34878D82A}">
+                    <a16:rowId xmlns:a16="http://schemas.microsoft.com/office/drawing/2014/main" val="10007"/>
+                  </a:ext>
+                </a:extLst>
               </a:tr>
               <a:tr h="393065">
                 <a:tc>
                   <a:txBody>
                     <a:bodyPr/>
+                    <a:lstStyle/>
                     <a:p>
                       <a:pPr algn="ctr">
                         <a:buNone/>
@@ -20466,13 +20548,6 @@
                         </a:rPr>
                         <a:t>《软件需求变更文档》</a:t>
                       </a:r>
-                      <a:endParaRPr lang="zh-CN" altLang="en-US" sz="1800" dirty="0">
-                        <a:solidFill>
-                          <a:schemeClr val="tx1"/>
-                        </a:solidFill>
-                        <a:ea typeface="宋体" panose="02010600030101010101" pitchFamily="2" charset="-122"/>
-                        <a:sym typeface="+mn-ea"/>
-                      </a:endParaRPr>
                     </a:p>
                   </a:txBody>
                   <a:tcPr/>
@@ -20480,6 +20555,7 @@
                 <a:tc>
                   <a:txBody>
                     <a:bodyPr/>
+                    <a:lstStyle/>
                     <a:p>
                       <a:pPr algn="ctr">
                         <a:buNone/>
@@ -20514,13 +20590,6 @@
                         </a:rPr>
                         <a:t>周</a:t>
                       </a:r>
-                      <a:endParaRPr lang="zh-CN" altLang="en-US" sz="1800" dirty="0">
-                        <a:solidFill>
-                          <a:schemeClr val="tx1"/>
-                        </a:solidFill>
-                        <a:ea typeface="宋体" panose="02010600030101010101" pitchFamily="2" charset="-122"/>
-                        <a:sym typeface="+mn-ea"/>
-                      </a:endParaRPr>
                     </a:p>
                   </a:txBody>
                   <a:tcPr/>
@@ -20528,6 +20597,7 @@
                 <a:tc>
                   <a:txBody>
                     <a:bodyPr/>
+                    <a:lstStyle/>
                     <a:p>
                       <a:pPr algn="ctr">
                         <a:buNone/>
@@ -20546,6 +20616,7 @@
                 <a:tc>
                   <a:txBody>
                     <a:bodyPr/>
+                    <a:lstStyle/>
                     <a:p>
                       <a:pPr algn="ctr">
                         <a:buNone/>
@@ -20561,11 +20632,17 @@
                   </a:txBody>
                   <a:tcPr/>
                 </a:tc>
+                <a:extLst>
+                  <a:ext uri="{0D108BD9-81ED-4DB2-BD59-A6C34878D82A}">
+                    <a16:rowId xmlns:a16="http://schemas.microsoft.com/office/drawing/2014/main" val="10008"/>
+                  </a:ext>
+                </a:extLst>
               </a:tr>
               <a:tr h="393065">
                 <a:tc>
                   <a:txBody>
                     <a:bodyPr/>
+                    <a:lstStyle/>
                     <a:p>
                       <a:pPr algn="ctr">
                         <a:buNone/>
@@ -20591,6 +20668,7 @@
                 <a:tc>
                   <a:txBody>
                     <a:bodyPr/>
+                    <a:lstStyle/>
                     <a:p>
                       <a:pPr algn="ctr">
                         <a:buNone/>
@@ -20625,13 +20703,6 @@
                         </a:rPr>
                         <a:t>周</a:t>
                       </a:r>
-                      <a:endParaRPr lang="zh-CN" altLang="en-US" sz="1800" dirty="0">
-                        <a:solidFill>
-                          <a:schemeClr val="tx1"/>
-                        </a:solidFill>
-                        <a:ea typeface="宋体" panose="02010600030101010101" pitchFamily="2" charset="-122"/>
-                        <a:sym typeface="+mn-ea"/>
-                      </a:endParaRPr>
                     </a:p>
                   </a:txBody>
                   <a:tcPr/>
@@ -20639,6 +20710,7 @@
                 <a:tc>
                   <a:txBody>
                     <a:bodyPr/>
+                    <a:lstStyle/>
                     <a:p>
                       <a:pPr algn="ctr">
                         <a:buNone/>
@@ -20657,6 +20729,7 @@
                 <a:tc>
                   <a:txBody>
                     <a:bodyPr/>
+                    <a:lstStyle/>
                     <a:p>
                       <a:pPr algn="ctr">
                         <a:buNone/>
@@ -20672,6 +20745,11 @@
                   </a:txBody>
                   <a:tcPr/>
                 </a:tc>
+                <a:extLst>
+                  <a:ext uri="{0D108BD9-81ED-4DB2-BD59-A6C34878D82A}">
+                    <a16:rowId xmlns:a16="http://schemas.microsoft.com/office/drawing/2014/main" val="10009"/>
+                  </a:ext>
+                </a:extLst>
               </a:tr>
             </a:tbl>
           </a:graphicData>
@@ -21272,6 +21350,7 @@
         </p:style>
         <p:txBody>
           <a:bodyPr rtlCol="0" anchor="ctr"/>
+          <a:lstStyle/>
           <a:p>
             <a:pPr algn="ctr"/>
             <a:r>
@@ -21281,10 +21360,6 @@
               </a:rPr>
               <a:t>风险预估</a:t>
             </a:r>
-            <a:endParaRPr lang="zh-CN" altLang="en-US" sz="2400" dirty="0">
-              <a:latin typeface="黑体" panose="02010609060101010101" pitchFamily="49" charset="-122"/>
-              <a:ea typeface="黑体" panose="02010609060101010101" pitchFamily="49" charset="-122"/>
-            </a:endParaRPr>
           </a:p>
         </p:txBody>
       </p:sp>
@@ -21307,14 +21382,33 @@
                 <a:tableStyleId>{5C22544A-7EE6-4342-B048-85BDC9FD1C3A}</a:tableStyleId>
               </a:tblPr>
               <a:tblGrid>
-                <a:gridCol w="2103120"/>
-                <a:gridCol w="2103120"/>
-                <a:gridCol w="2103120"/>
+                <a:gridCol w="2103120">
+                  <a:extLst>
+                    <a:ext uri="{9D8B030D-6E8A-4147-A177-3AD203B41FA5}">
+                      <a16:colId xmlns:a16="http://schemas.microsoft.com/office/drawing/2014/main" val="20000"/>
+                    </a:ext>
+                  </a:extLst>
+                </a:gridCol>
+                <a:gridCol w="2103120">
+                  <a:extLst>
+                    <a:ext uri="{9D8B030D-6E8A-4147-A177-3AD203B41FA5}">
+                      <a16:colId xmlns:a16="http://schemas.microsoft.com/office/drawing/2014/main" val="20001"/>
+                    </a:ext>
+                  </a:extLst>
+                </a:gridCol>
+                <a:gridCol w="2103120">
+                  <a:extLst>
+                    <a:ext uri="{9D8B030D-6E8A-4147-A177-3AD203B41FA5}">
+                      <a16:colId xmlns:a16="http://schemas.microsoft.com/office/drawing/2014/main" val="20002"/>
+                    </a:ext>
+                  </a:extLst>
+                </a:gridCol>
               </a:tblGrid>
               <a:tr h="233680">
                 <a:tc>
                   <a:txBody>
                     <a:bodyPr/>
+                    <a:lstStyle/>
                     <a:p>
                       <a:pPr algn="ctr">
                         <a:spcAft>
@@ -21340,6 +21434,7 @@
                 <a:tc>
                   <a:txBody>
                     <a:bodyPr/>
+                    <a:lstStyle/>
                     <a:p>
                       <a:pPr algn="ctr">
                         <a:spcAft>
@@ -21365,6 +21460,7 @@
                 <a:tc>
                   <a:txBody>
                     <a:bodyPr/>
+                    <a:lstStyle/>
                     <a:p>
                       <a:pPr algn="ctr">
                         <a:spcAft>
@@ -21387,11 +21483,17 @@
                   </a:txBody>
                   <a:tcPr marL="100233" marR="100233" marT="0" marB="0"/>
                 </a:tc>
+                <a:extLst>
+                  <a:ext uri="{0D108BD9-81ED-4DB2-BD59-A6C34878D82A}">
+                    <a16:rowId xmlns:a16="http://schemas.microsoft.com/office/drawing/2014/main" val="10000"/>
+                  </a:ext>
+                </a:extLst>
               </a:tr>
               <a:tr h="2807335">
                 <a:tc>
                   <a:txBody>
                     <a:bodyPr/>
+                    <a:lstStyle/>
                     <a:p>
                       <a:pPr algn="just">
                         <a:spcAft>
@@ -21417,6 +21519,7 @@
                 <a:tc>
                   <a:txBody>
                     <a:bodyPr/>
+                    <a:lstStyle/>
                     <a:p>
                       <a:pPr algn="just">
                         <a:spcAft>
@@ -21442,6 +21545,7 @@
                 <a:tc>
                   <a:txBody>
                     <a:bodyPr/>
+                    <a:lstStyle/>
                     <a:p>
                       <a:pPr algn="just">
                         <a:spcAft>
@@ -21464,11 +21568,17 @@
                   </a:txBody>
                   <a:tcPr marL="100233" marR="100233" marT="0" marB="0"/>
                 </a:tc>
+                <a:extLst>
+                  <a:ext uri="{0D108BD9-81ED-4DB2-BD59-A6C34878D82A}">
+                    <a16:rowId xmlns:a16="http://schemas.microsoft.com/office/drawing/2014/main" val="10001"/>
+                  </a:ext>
+                </a:extLst>
               </a:tr>
               <a:tr h="935355">
                 <a:tc>
                   <a:txBody>
                     <a:bodyPr/>
+                    <a:lstStyle/>
                     <a:p>
                       <a:pPr algn="just">
                         <a:spcAft>
@@ -21494,6 +21604,7 @@
                 <a:tc>
                   <a:txBody>
                     <a:bodyPr/>
+                    <a:lstStyle/>
                     <a:p>
                       <a:pPr algn="just">
                         <a:spcAft>
@@ -21519,6 +21630,7 @@
                 <a:tc>
                   <a:txBody>
                     <a:bodyPr/>
+                    <a:lstStyle/>
                     <a:p>
                       <a:pPr algn="just">
                         <a:spcAft>
@@ -21547,11 +21659,17 @@
                   </a:txBody>
                   <a:tcPr marL="100233" marR="100233" marT="0" marB="0"/>
                 </a:tc>
+                <a:extLst>
+                  <a:ext uri="{0D108BD9-81ED-4DB2-BD59-A6C34878D82A}">
+                    <a16:rowId xmlns:a16="http://schemas.microsoft.com/office/drawing/2014/main" val="10002"/>
+                  </a:ext>
+                </a:extLst>
               </a:tr>
               <a:tr h="701675">
                 <a:tc>
                   <a:txBody>
                     <a:bodyPr/>
+                    <a:lstStyle/>
                     <a:p>
                       <a:pPr algn="just">
                         <a:spcAft>
@@ -21577,6 +21695,7 @@
                 <a:tc>
                   <a:txBody>
                     <a:bodyPr/>
+                    <a:lstStyle/>
                     <a:p>
                       <a:pPr algn="just">
                         <a:spcAft>
@@ -21602,6 +21721,7 @@
                 <a:tc>
                   <a:txBody>
                     <a:bodyPr/>
+                    <a:lstStyle/>
                     <a:p>
                       <a:pPr algn="just">
                         <a:spcAft>
@@ -21624,11 +21744,17 @@
                   </a:txBody>
                   <a:tcPr marL="100233" marR="100233" marT="0" marB="0"/>
                 </a:tc>
+                <a:extLst>
+                  <a:ext uri="{0D108BD9-81ED-4DB2-BD59-A6C34878D82A}">
+                    <a16:rowId xmlns:a16="http://schemas.microsoft.com/office/drawing/2014/main" val="10003"/>
+                  </a:ext>
+                </a:extLst>
               </a:tr>
               <a:tr h="1169670">
                 <a:tc>
                   <a:txBody>
                     <a:bodyPr/>
+                    <a:lstStyle/>
                     <a:p>
                       <a:pPr algn="just">
                         <a:spcAft>
@@ -21654,6 +21780,7 @@
                 <a:tc>
                   <a:txBody>
                     <a:bodyPr/>
+                    <a:lstStyle/>
                     <a:p>
                       <a:pPr algn="just">
                         <a:spcAft>
@@ -21679,6 +21806,7 @@
                 <a:tc>
                   <a:txBody>
                     <a:bodyPr/>
+                    <a:lstStyle/>
                     <a:p>
                       <a:pPr algn="just">
                         <a:spcAft>
@@ -21701,6 +21829,11 @@
                   </a:txBody>
                   <a:tcPr marL="100233" marR="100233" marT="0" marB="0"/>
                 </a:tc>
+                <a:extLst>
+                  <a:ext uri="{0D108BD9-81ED-4DB2-BD59-A6C34878D82A}">
+                    <a16:rowId xmlns:a16="http://schemas.microsoft.com/office/drawing/2014/main" val="10004"/>
+                  </a:ext>
+                </a:extLst>
               </a:tr>
             </a:tbl>
           </a:graphicData>
@@ -21723,7 +21856,7 @@
     <p:bg>
       <p:bgPr>
         <a:blipFill dpi="0" rotWithShape="1">
-          <a:blip r:embed="rId1" cstate="print">
+          <a:blip r:embed="rId2" cstate="print">
             <a:lum/>
           </a:blip>
           <a:srcRect/>
@@ -22933,6 +23066,7 @@
           <a:bodyPr wrap="square" rtlCol="0">
             <a:spAutoFit/>
           </a:bodyPr>
+          <a:lstStyle/>
           <a:p>
             <a:r>
               <a:rPr lang="zh-CN" altLang="en-US"/>
@@ -22946,28 +23080,24 @@
               <a:rPr lang="zh-CN" altLang="en-US"/>
               <a:t>来进行对项目过程中所有的过程性文件进行监控。</a:t>
             </a:r>
-            <a:endParaRPr lang="zh-CN" altLang="en-US"/>
           </a:p>
           <a:p>
             <a:r>
               <a:rPr lang="zh-CN" altLang="en-US"/>
               <a:t>两份配置状态报告——〖软件配置状态表〗和〖软件变更记录表〗分别以电子表格的形式存放在项目分目录下，以便项目开发人员随时查询，了解软件的修改变化情况。</a:t>
             </a:r>
-            <a:endParaRPr lang="zh-CN" altLang="en-US"/>
           </a:p>
           <a:p>
             <a:r>
               <a:rPr lang="zh-CN" altLang="en-US"/>
               <a:t>〖软件配置状态表〗由配置管理员负责填写，主要反映项目中各软件项的配置情况。开发人员通过查阅该表可及时全面的了解项目中软件项的配置使用情况。</a:t>
             </a:r>
-            <a:endParaRPr lang="zh-CN" altLang="en-US"/>
           </a:p>
           <a:p>
             <a:r>
               <a:rPr lang="zh-CN" altLang="en-US"/>
               <a:t>〖软件变更记录表〗由配置管理员负责填写，主要记录软件开发过程中所有的修改情况，该表以修改时间排序，以便开发人员及时了解软件项最新的变化。</a:t>
             </a:r>
-            <a:endParaRPr lang="zh-CN" altLang="en-US"/>
           </a:p>
         </p:txBody>
       </p:sp>
@@ -23007,6 +23137,7 @@
         </p:style>
         <p:txBody>
           <a:bodyPr rtlCol="0" anchor="ctr"/>
+          <a:lstStyle/>
           <a:p>
             <a:pPr algn="ctr"/>
             <a:r>
@@ -23016,10 +23147,6 @@
               </a:rPr>
               <a:t>版本控制</a:t>
             </a:r>
-            <a:endParaRPr lang="zh-CN" altLang="en-US" sz="2400" dirty="0">
-              <a:latin typeface="黑体" panose="02010609060101010101" pitchFamily="49" charset="-122"/>
-              <a:ea typeface="黑体" panose="02010609060101010101" pitchFamily="49" charset="-122"/>
-            </a:endParaRPr>
           </a:p>
         </p:txBody>
       </p:sp>
@@ -23040,7 +23167,7 @@
     <p:bg>
       <p:bgPr>
         <a:blipFill dpi="0" rotWithShape="1">
-          <a:blip r:embed="rId1" cstate="print">
+          <a:blip r:embed="rId2" cstate="print">
             <a:lum/>
           </a:blip>
           <a:srcRect/>
@@ -24786,6 +24913,7 @@
           <a:bodyPr wrap="square">
             <a:spAutoFit/>
           </a:bodyPr>
+          <a:lstStyle/>
           <a:p>
             <a:pPr indent="127000"/>
             <a:r>
@@ -24827,11 +24955,6 @@
               </a:rPr>
               <a:t>天，持续到项目的结束。经费的额外支出在于云服务器的租用，和每周的项目会议上。</a:t>
             </a:r>
-            <a:endParaRPr lang="zh-HK" altLang="en-US" sz="3200" b="0">
-              <a:latin typeface="宋体" panose="02010600030101010101" pitchFamily="2" charset="-122"/>
-              <a:ea typeface="宋体" panose="02010600030101010101" pitchFamily="2" charset="-122"/>
-              <a:cs typeface="宋体" panose="02010600030101010101" pitchFamily="2" charset="-122"/>
-            </a:endParaRPr>
           </a:p>
         </p:txBody>
       </p:sp>
@@ -24871,6 +24994,7 @@
         </p:style>
         <p:txBody>
           <a:bodyPr rtlCol="0" anchor="ctr"/>
+          <a:lstStyle/>
           <a:p>
             <a:pPr algn="ctr"/>
             <a:r>
@@ -24880,10 +25004,6 @@
               </a:rPr>
               <a:t>时间成本</a:t>
             </a:r>
-            <a:endParaRPr lang="zh-CN" altLang="en-US" sz="2400" dirty="0">
-              <a:latin typeface="黑体" panose="02010609060101010101" pitchFamily="49" charset="-122"/>
-              <a:ea typeface="黑体" panose="02010609060101010101" pitchFamily="49" charset="-122"/>
-            </a:endParaRPr>
           </a:p>
         </p:txBody>
       </p:sp>
@@ -26015,6 +26135,7 @@
         </p:style>
         <p:txBody>
           <a:bodyPr rtlCol="0" anchor="ctr"/>
+          <a:lstStyle/>
           <a:p>
             <a:pPr algn="ctr"/>
             <a:r>
@@ -26024,10 +26145,6 @@
               </a:rPr>
               <a:t>局限性</a:t>
             </a:r>
-            <a:endParaRPr lang="zh-CN" altLang="en-US" sz="2400" dirty="0">
-              <a:latin typeface="黑体" panose="02010609060101010101" pitchFamily="49" charset="-122"/>
-              <a:ea typeface="黑体" panose="02010609060101010101" pitchFamily="49" charset="-122"/>
-            </a:endParaRPr>
           </a:p>
         </p:txBody>
       </p:sp>
@@ -26054,6 +26171,7 @@
           <a:bodyPr wrap="square">
             <a:spAutoFit/>
           </a:bodyPr>
+          <a:lstStyle/>
           <a:p>
             <a:pPr indent="127000"/>
             <a:r>
@@ -26078,9 +26196,11 @@
                 <a:ea typeface="宋体" panose="02010600030101010101" pitchFamily="2" charset="-122"/>
                 <a:cs typeface="宋体" panose="02010600030101010101" pitchFamily="2" charset="-122"/>
               </a:rPr>
-              <a:t>系统，数据库要实时维护，人力资源，经费有限，搭建和配置的网站不够完善。-</a:t>
-            </a:r>
+              <a:t>系统，数据库要实时维护，人力资源，经费有限，搭建和配置的网站不够完善。</a:t>
+            </a:r>
+          </a:p>
+          <a:p>
+            <a:pPr indent="127000"/>
             <a:r>
               <a:rPr lang="zh-HK" altLang="en-US" sz="1050" b="0">
                 <a:latin typeface="Times New Roman" panose="02020603050405020304" pitchFamily="18" charset="0"/>
@@ -26412,13 +26532,6 @@
               </a:rPr>
               <a:t>产品最后的验收依据是在最后期限前提交《项目总结报告》，并得到用户对产品的认可，即通过杨枨老及其他各位组长组成的评审的答辩与评价，提交经验总结。</a:t>
             </a:r>
-            <a:endParaRPr lang="zh-CN" altLang="zh-CN" dirty="0">
-              <a:solidFill>
-                <a:srgbClr val="666666"/>
-              </a:solidFill>
-              <a:latin typeface="黑体" panose="02010609060101010101" pitchFamily="49" charset="-122"/>
-              <a:ea typeface="黑体" panose="02010609060101010101" pitchFamily="49" charset="-122"/>
-            </a:endParaRPr>
           </a:p>
         </p:txBody>
       </p:sp>
@@ -27532,10 +27645,6 @@
               </a:rPr>
               <a:t>管理实现计划</a:t>
             </a:r>
-            <a:endParaRPr lang="zh-CN" altLang="en-US" sz="2400" dirty="0">
-              <a:latin typeface="黑体" panose="02010609060101010101" pitchFamily="49" charset="-122"/>
-              <a:ea typeface="黑体" panose="02010609060101010101" pitchFamily="49" charset="-122"/>
-            </a:endParaRPr>
           </a:p>
         </p:txBody>
       </p:sp>
@@ -27556,7 +27665,7 @@
     <p:bg>
       <p:bgPr>
         <a:blipFill dpi="0" rotWithShape="1">
-          <a:blip r:embed="rId1" cstate="print">
+          <a:blip r:embed="rId2" cstate="print">
             <a:lum/>
           </a:blip>
           <a:srcRect/>
@@ -28248,13 +28357,6 @@
               </a:rPr>
               <a:t>奕吉：</a:t>
             </a:r>
-            <a:endParaRPr lang="zh-CN" altLang="zh-HK" b="1" dirty="0">
-              <a:solidFill>
-                <a:srgbClr val="E74E3E"/>
-              </a:solidFill>
-              <a:latin typeface="黑体" panose="02010609060101010101" pitchFamily="49" charset="-122"/>
-              <a:ea typeface="黑体" panose="02010609060101010101" pitchFamily="49" charset="-122"/>
-            </a:endParaRPr>
           </a:p>
         </p:txBody>
       </p:sp>
@@ -28349,13 +28451,6 @@
               </a:rPr>
               <a:t>分</a:t>
             </a:r>
-            <a:endParaRPr lang="zh-CN" altLang="en-US" dirty="0">
-              <a:solidFill>
-                <a:srgbClr val="666666"/>
-              </a:solidFill>
-              <a:latin typeface="黑体" panose="02010609060101010101" pitchFamily="49" charset="-122"/>
-              <a:ea typeface="黑体" panose="02010609060101010101" pitchFamily="49" charset="-122"/>
-            </a:endParaRPr>
           </a:p>
         </p:txBody>
       </p:sp>
@@ -28493,13 +28588,6 @@
               </a:rPr>
               <a:t>分</a:t>
             </a:r>
-            <a:endParaRPr lang="zh-CN" altLang="en-US" dirty="0">
-              <a:solidFill>
-                <a:srgbClr val="666666"/>
-              </a:solidFill>
-              <a:latin typeface="黑体" panose="02010609060101010101" pitchFamily="49" charset="-122"/>
-              <a:ea typeface="黑体" panose="02010609060101010101" pitchFamily="49" charset="-122"/>
-            </a:endParaRPr>
           </a:p>
         </p:txBody>
       </p:sp>
@@ -28617,13 +28705,6 @@
               </a:rPr>
               <a:t>分</a:t>
             </a:r>
-            <a:endParaRPr lang="zh-CN" altLang="en-US" dirty="0">
-              <a:solidFill>
-                <a:srgbClr val="666666"/>
-              </a:solidFill>
-              <a:latin typeface="黑体" panose="02010609060101010101" pitchFamily="49" charset="-122"/>
-              <a:ea typeface="黑体" panose="02010609060101010101" pitchFamily="49" charset="-122"/>
-            </a:endParaRPr>
           </a:p>
         </p:txBody>
       </p:sp>
@@ -29533,13 +29614,6 @@
               </a:rPr>
               <a:t>经费预算</a:t>
             </a:r>
-            <a:endParaRPr lang="zh-CN" altLang="en-US" spc="300" dirty="0">
-              <a:solidFill>
-                <a:schemeClr val="bg1"/>
-              </a:solidFill>
-              <a:latin typeface="黑体" panose="02010609060101010101" pitchFamily="49" charset="-122"/>
-              <a:ea typeface="黑体" panose="02010609060101010101" pitchFamily="49" charset="-122"/>
-            </a:endParaRPr>
           </a:p>
         </p:txBody>
       </p:sp>
@@ -29577,13 +29651,6 @@
               </a:rPr>
               <a:t>成员分工</a:t>
             </a:r>
-            <a:endParaRPr lang="zh-CN" altLang="en-US" spc="300" dirty="0">
-              <a:solidFill>
-                <a:schemeClr val="tx1"/>
-              </a:solidFill>
-              <a:latin typeface="黑体" panose="02010609060101010101" pitchFamily="49" charset="-122"/>
-              <a:ea typeface="黑体" panose="02010609060101010101" pitchFamily="49" charset="-122"/>
-            </a:endParaRPr>
           </a:p>
         </p:txBody>
       </p:sp>
@@ -29741,10 +29808,6 @@
               </a:rPr>
               <a:t>成员分工</a:t>
             </a:r>
-            <a:endParaRPr lang="zh-CN" altLang="en-US" sz="2400" dirty="0">
-              <a:latin typeface="黑体" panose="02010609060101010101" pitchFamily="49" charset="-122"/>
-              <a:ea typeface="黑体" panose="02010609060101010101" pitchFamily="49" charset="-122"/>
-            </a:endParaRPr>
           </a:p>
         </p:txBody>
       </p:sp>
@@ -29768,6 +29831,7 @@
           <a:bodyPr wrap="square" rtlCol="0" anchor="ctr">
             <a:spAutoFit/>
           </a:bodyPr>
+          <a:lstStyle/>
           <a:p>
             <a:pPr algn="dist"/>
             <a:r>
@@ -29809,6 +29873,7 @@
           <a:bodyPr wrap="square" anchor="ctr">
             <a:spAutoFit/>
           </a:bodyPr>
+          <a:lstStyle/>
           <a:p>
             <a:r>
               <a:rPr lang="zh-CN" altLang="en-US" dirty="0">
@@ -29880,13 +29945,6 @@
               </a:rPr>
               <a:t>分</a:t>
             </a:r>
-            <a:endParaRPr lang="zh-CN" altLang="en-US" dirty="0">
-              <a:solidFill>
-                <a:srgbClr val="666666"/>
-              </a:solidFill>
-              <a:latin typeface="黑体" panose="02010609060101010101" pitchFamily="49" charset="-122"/>
-              <a:ea typeface="黑体" panose="02010609060101010101" pitchFamily="49" charset="-122"/>
-            </a:endParaRPr>
           </a:p>
         </p:txBody>
       </p:sp>
@@ -29910,6 +29968,7 @@
           <a:bodyPr wrap="square" rtlCol="0" anchor="ctr">
             <a:spAutoFit/>
           </a:bodyPr>
+          <a:lstStyle/>
           <a:p>
             <a:pPr algn="dist"/>
             <a:r>
@@ -29951,6 +30010,7 @@
           <a:bodyPr wrap="square" anchor="ctr">
             <a:spAutoFit/>
           </a:bodyPr>
+          <a:lstStyle/>
           <a:p>
             <a:r>
               <a:rPr lang="zh-CN" altLang="en-US" dirty="0">
@@ -29982,13 +30042,6 @@
               </a:rPr>
               <a:t>分</a:t>
             </a:r>
-            <a:endParaRPr lang="zh-CN" altLang="en-US" dirty="0">
-              <a:solidFill>
-                <a:srgbClr val="666666"/>
-              </a:solidFill>
-              <a:latin typeface="黑体" panose="02010609060101010101" pitchFamily="49" charset="-122"/>
-              <a:ea typeface="黑体" panose="02010609060101010101" pitchFamily="49" charset="-122"/>
-            </a:endParaRPr>
           </a:p>
         </p:txBody>
       </p:sp>
@@ -30009,7 +30062,7 @@
     <p:bg>
       <p:bgPr>
         <a:blipFill dpi="0" rotWithShape="1">
-          <a:blip r:embed="rId1" cstate="print">
+          <a:blip r:embed="rId2" cstate="print">
             <a:lum/>
           </a:blip>
           <a:srcRect/>
@@ -30742,7 +30795,7 @@
     <p:bg>
       <p:bgPr>
         <a:blipFill dpi="0" rotWithShape="1">
-          <a:blip r:embed="rId1" cstate="print">
+          <a:blip r:embed="rId3" cstate="print">
             <a:lum/>
           </a:blip>
           <a:srcRect/>
@@ -31415,13 +31468,6 @@
               </a:rPr>
               <a:t>《软件工程导论（第六版）》——清华大学出版社</a:t>
             </a:r>
-            <a:endParaRPr lang="zh-CN" altLang="zh-CN" sz="2000" b="1" spc="300" dirty="0">
-              <a:solidFill>
-                <a:schemeClr val="bg1"/>
-              </a:solidFill>
-              <a:latin typeface="黑体" panose="02010609060101010101" pitchFamily="49" charset="-122"/>
-              <a:ea typeface="黑体" panose="02010609060101010101" pitchFamily="49" charset="-122"/>
-            </a:endParaRPr>
           </a:p>
           <a:p>
             <a:r>
@@ -31434,13 +31480,6 @@
               </a:rPr>
               <a:t>《软件项目管理》——机械工业出版社</a:t>
             </a:r>
-            <a:endParaRPr lang="zh-CN" altLang="zh-CN" sz="2000" b="1" spc="300" dirty="0">
-              <a:solidFill>
-                <a:schemeClr val="bg1"/>
-              </a:solidFill>
-              <a:latin typeface="黑体" panose="02010609060101010101" pitchFamily="49" charset="-122"/>
-              <a:ea typeface="黑体" panose="02010609060101010101" pitchFamily="49" charset="-122"/>
-            </a:endParaRPr>
           </a:p>
           <a:p>
             <a:r>
@@ -31473,13 +31512,6 @@
               </a:rPr>
               <a:t>部）》清华大学出版社</a:t>
             </a:r>
-            <a:endParaRPr lang="zh-CN" altLang="zh-CN" sz="2000" b="1" spc="300" dirty="0">
-              <a:solidFill>
-                <a:schemeClr val="bg1"/>
-              </a:solidFill>
-              <a:latin typeface="黑体" panose="02010609060101010101" pitchFamily="49" charset="-122"/>
-              <a:ea typeface="黑体" panose="02010609060101010101" pitchFamily="49" charset="-122"/>
-            </a:endParaRPr>
           </a:p>
           <a:p>
             <a:pPr algn="ctr"/>
@@ -31682,14 +31714,14 @@
             <a:p>
               <a:pPr algn="ctr"/>
               <a:r>
-                <a:rPr lang="en-US" altLang="zh-CN" sz="2400" b="1" spc="300" dirty="0">
+                <a:rPr lang="en-US" altLang="zh-CN" sz="2400" b="1" spc="300">
                   <a:solidFill>
                     <a:srgbClr val="E74E3E"/>
                   </a:solidFill>
                   <a:latin typeface="黑体" panose="02010609060101010101" pitchFamily="49" charset="-122"/>
                   <a:ea typeface="黑体" panose="02010609060101010101" pitchFamily="49" charset="-122"/>
                 </a:rPr>
-                <a:t>G17</a:t>
+                <a:t>G09</a:t>
               </a:r>
               <a:endParaRPr lang="zh-HK" altLang="en-US" sz="2400" b="1" spc="300" dirty="0">
                 <a:solidFill>
@@ -32318,10 +32350,6 @@
               </a:rPr>
               <a:t>背景</a:t>
             </a:r>
-            <a:endParaRPr lang="zh-CN" altLang="en-US" sz="2400" dirty="0">
-              <a:latin typeface="黑体" panose="02010609060101010101" pitchFamily="49" charset="-122"/>
-              <a:ea typeface="黑体" panose="02010609060101010101" pitchFamily="49" charset="-122"/>
-            </a:endParaRPr>
           </a:p>
         </p:txBody>
       </p:sp>
@@ -32902,15 +32930,6 @@
               </a:rPr>
               <a:t>为了使软件工程系列课程上的出色，使学生能够获得最多的资料，使学生及时的了解世界需求工程的最新动态，以及学生和教师的有效地沟通，老师提出了这么一个设想；作为他的学生也需要一个与教师及同学之间相互交流，及获取资料的平台；还有一些同学并没有选这几门课，但是也想了解项目管理，需求工程，统一建模的相关知识，以备到时决定该选不选这门课程。通过这三方提出的需求考虑，我们构思做一个软件工程教学、学习、交流的网站。为了促进我们更好地体验整个软件开发过程，意识到文档在软件开发过程中的重要性，从而更好地理解软件工程相关课程与知识，我们将会在侯宏仑老师和杨枨老师的指导下，完成一定的软件开发过程的真实模拟。</a:t>
             </a:r>
-            <a:endParaRPr lang="zh-CN" altLang="zh-CN" sz="2000" b="1" spc="300" dirty="0">
-              <a:solidFill>
-                <a:schemeClr val="bg2">
-                  <a:lumMod val="50000"/>
-                </a:schemeClr>
-              </a:solidFill>
-              <a:latin typeface="黑体" panose="02010609060101010101" pitchFamily="49" charset="-122"/>
-              <a:ea typeface="黑体" panose="02010609060101010101" pitchFamily="49" charset="-122"/>
-            </a:endParaRPr>
           </a:p>
         </p:txBody>
       </p:sp>
@@ -32988,10 +33007,6 @@
               </a:rPr>
               <a:t>责任</a:t>
             </a:r>
-            <a:endParaRPr lang="zh-CN" altLang="en-US" sz="2400" dirty="0">
-              <a:latin typeface="黑体" panose="02010609060101010101" pitchFamily="49" charset="-122"/>
-              <a:ea typeface="黑体" panose="02010609060101010101" pitchFamily="49" charset="-122"/>
-            </a:endParaRPr>
           </a:p>
         </p:txBody>
       </p:sp>
@@ -34037,15 +34052,6 @@
               </a:rPr>
               <a:t>其余各组组长</a:t>
             </a:r>
-            <a:endParaRPr lang="zh-CN" altLang="zh-CN" sz="1600" b="1" spc="300" dirty="0">
-              <a:solidFill>
-                <a:schemeClr val="bg2">
-                  <a:lumMod val="50000"/>
-                </a:schemeClr>
-              </a:solidFill>
-              <a:latin typeface="黑体" panose="02010609060101010101" pitchFamily="49" charset="-122"/>
-              <a:ea typeface="黑体" panose="02010609060101010101" pitchFamily="49" charset="-122"/>
-            </a:endParaRPr>
           </a:p>
           <a:p>
             <a:r>
@@ -34060,15 +34066,6 @@
               </a:rPr>
               <a:t>项目应满足两位老师的要求，得到其余组的认可</a:t>
             </a:r>
-            <a:endParaRPr lang="zh-CN" altLang="zh-CN" sz="1600" b="1" spc="300" dirty="0">
-              <a:solidFill>
-                <a:schemeClr val="bg2">
-                  <a:lumMod val="50000"/>
-                </a:schemeClr>
-              </a:solidFill>
-              <a:latin typeface="黑体" panose="02010609060101010101" pitchFamily="49" charset="-122"/>
-              <a:ea typeface="黑体" panose="02010609060101010101" pitchFamily="49" charset="-122"/>
-            </a:endParaRPr>
           </a:p>
         </p:txBody>
       </p:sp>
@@ -34106,15 +34103,6 @@
               </a:rPr>
               <a:t>软件工程教师，选了课程的学生，以及当前学期未选该课程，但对该课程有兴趣的学生。</a:t>
             </a:r>
-            <a:endParaRPr lang="zh-CN" altLang="zh-CN" sz="1600" b="1" spc="300" dirty="0">
-              <a:solidFill>
-                <a:schemeClr val="bg2">
-                  <a:lumMod val="50000"/>
-                </a:schemeClr>
-              </a:solidFill>
-              <a:latin typeface="黑体" panose="02010609060101010101" pitchFamily="49" charset="-122"/>
-              <a:ea typeface="黑体" panose="02010609060101010101" pitchFamily="49" charset="-122"/>
-            </a:endParaRPr>
           </a:p>
         </p:txBody>
       </p:sp>
@@ -34174,10 +34162,6 @@
               </a:rPr>
               <a:t>团队成员</a:t>
             </a:r>
-            <a:endParaRPr lang="zh-CN" sz="2000" b="1" spc="300" dirty="0">
-              <a:latin typeface="黑体" panose="02010609060101010101" pitchFamily="49" charset="-122"/>
-              <a:ea typeface="黑体" panose="02010609060101010101" pitchFamily="49" charset="-122"/>
-            </a:endParaRPr>
           </a:p>
         </p:txBody>
       </p:sp>
@@ -34244,7 +34228,7 @@
     <p:bg>
       <p:bgPr>
         <a:blipFill dpi="0" rotWithShape="1">
-          <a:blip r:embed="rId1" cstate="print">
+          <a:blip r:embed="rId2" cstate="print">
             <a:lum/>
           </a:blip>
           <a:srcRect/>
@@ -35180,7 +35164,7 @@
           <p:nvPr/>
         </p:nvPicPr>
         <p:blipFill rotWithShape="1">
-          <a:blip r:embed="rId1" cstate="print"/>
+          <a:blip r:embed="rId2" cstate="print"/>
           <a:srcRect l="48207"/>
           <a:stretch>
             <a:fillRect/>
@@ -35942,10 +35926,6 @@
               </a:rPr>
               <a:t>文件</a:t>
             </a:r>
-            <a:endParaRPr lang="zh-CN" altLang="en-US" sz="2400" dirty="0">
-              <a:latin typeface="黑体" panose="02010609060101010101" pitchFamily="49" charset="-122"/>
-              <a:ea typeface="黑体" panose="02010609060101010101" pitchFamily="49" charset="-122"/>
-            </a:endParaRPr>
           </a:p>
         </p:txBody>
       </p:sp>
@@ -36499,10 +36479,34 @@
                 <a:tableStyleId>{5C22544A-7EE6-4342-B048-85BDC9FD1C3A}</a:tableStyleId>
               </a:tblPr>
               <a:tblGrid>
-                <a:gridCol w="876607"/>
-                <a:gridCol w="3421466"/>
-                <a:gridCol w="838269"/>
-                <a:gridCol w="1468267"/>
+                <a:gridCol w="876607">
+                  <a:extLst>
+                    <a:ext uri="{9D8B030D-6E8A-4147-A177-3AD203B41FA5}">
+                      <a16:colId xmlns:a16="http://schemas.microsoft.com/office/drawing/2014/main" val="20000"/>
+                    </a:ext>
+                  </a:extLst>
+                </a:gridCol>
+                <a:gridCol w="3421466">
+                  <a:extLst>
+                    <a:ext uri="{9D8B030D-6E8A-4147-A177-3AD203B41FA5}">
+                      <a16:colId xmlns:a16="http://schemas.microsoft.com/office/drawing/2014/main" val="20001"/>
+                    </a:ext>
+                  </a:extLst>
+                </a:gridCol>
+                <a:gridCol w="838269">
+                  <a:extLst>
+                    <a:ext uri="{9D8B030D-6E8A-4147-A177-3AD203B41FA5}">
+                      <a16:colId xmlns:a16="http://schemas.microsoft.com/office/drawing/2014/main" val="20002"/>
+                    </a:ext>
+                  </a:extLst>
+                </a:gridCol>
+                <a:gridCol w="1468267">
+                  <a:extLst>
+                    <a:ext uri="{9D8B030D-6E8A-4147-A177-3AD203B41FA5}">
+                      <a16:colId xmlns:a16="http://schemas.microsoft.com/office/drawing/2014/main" val="20003"/>
+                    </a:ext>
+                  </a:extLst>
+                </a:gridCol>
               </a:tblGrid>
               <a:tr h="326345">
                 <a:tc>
@@ -36609,6 +36613,11 @@
                   </a:txBody>
                   <a:tcPr marL="139862" marR="139862" marT="0" marB="0"/>
                 </a:tc>
+                <a:extLst>
+                  <a:ext uri="{0D108BD9-81ED-4DB2-BD59-A6C34878D82A}">
+                    <a16:rowId xmlns:a16="http://schemas.microsoft.com/office/drawing/2014/main" val="10000"/>
+                  </a:ext>
+                </a:extLst>
               </a:tr>
               <a:tr h="372966">
                 <a:tc>
@@ -36715,6 +36724,11 @@
                   </a:txBody>
                   <a:tcPr marL="139862" marR="139862" marT="0" marB="0"/>
                 </a:tc>
+                <a:extLst>
+                  <a:ext uri="{0D108BD9-81ED-4DB2-BD59-A6C34878D82A}">
+                    <a16:rowId xmlns:a16="http://schemas.microsoft.com/office/drawing/2014/main" val="10001"/>
+                  </a:ext>
+                </a:extLst>
               </a:tr>
               <a:tr h="372966">
                 <a:tc>
@@ -36821,6 +36835,11 @@
                   </a:txBody>
                   <a:tcPr marL="139862" marR="139862" marT="0" marB="0"/>
                 </a:tc>
+                <a:extLst>
+                  <a:ext uri="{0D108BD9-81ED-4DB2-BD59-A6C34878D82A}">
+                    <a16:rowId xmlns:a16="http://schemas.microsoft.com/office/drawing/2014/main" val="10002"/>
+                  </a:ext>
+                </a:extLst>
               </a:tr>
               <a:tr h="372966">
                 <a:tc>
@@ -36927,6 +36946,11 @@
                   </a:txBody>
                   <a:tcPr marL="139862" marR="139862" marT="0" marB="0"/>
                 </a:tc>
+                <a:extLst>
+                  <a:ext uri="{0D108BD9-81ED-4DB2-BD59-A6C34878D82A}">
+                    <a16:rowId xmlns:a16="http://schemas.microsoft.com/office/drawing/2014/main" val="10003"/>
+                  </a:ext>
+                </a:extLst>
               </a:tr>
               <a:tr h="372966">
                 <a:tc>
@@ -37033,6 +37057,11 @@
                   </a:txBody>
                   <a:tcPr marL="139862" marR="139862" marT="0" marB="0"/>
                 </a:tc>
+                <a:extLst>
+                  <a:ext uri="{0D108BD9-81ED-4DB2-BD59-A6C34878D82A}">
+                    <a16:rowId xmlns:a16="http://schemas.microsoft.com/office/drawing/2014/main" val="10004"/>
+                  </a:ext>
+                </a:extLst>
               </a:tr>
               <a:tr h="372966">
                 <a:tc>
@@ -37139,6 +37168,11 @@
                   </a:txBody>
                   <a:tcPr marL="139862" marR="139862" marT="0" marB="0"/>
                 </a:tc>
+                <a:extLst>
+                  <a:ext uri="{0D108BD9-81ED-4DB2-BD59-A6C34878D82A}">
+                    <a16:rowId xmlns:a16="http://schemas.microsoft.com/office/drawing/2014/main" val="10005"/>
+                  </a:ext>
+                </a:extLst>
               </a:tr>
               <a:tr h="372966">
                 <a:tc>
@@ -37245,6 +37279,11 @@
                   </a:txBody>
                   <a:tcPr marL="139862" marR="139862" marT="0" marB="0"/>
                 </a:tc>
+                <a:extLst>
+                  <a:ext uri="{0D108BD9-81ED-4DB2-BD59-A6C34878D82A}">
+                    <a16:rowId xmlns:a16="http://schemas.microsoft.com/office/drawing/2014/main" val="10006"/>
+                  </a:ext>
+                </a:extLst>
               </a:tr>
               <a:tr h="372966">
                 <a:tc>
@@ -37351,6 +37390,11 @@
                   </a:txBody>
                   <a:tcPr marL="139862" marR="139862" marT="0" marB="0"/>
                 </a:tc>
+                <a:extLst>
+                  <a:ext uri="{0D108BD9-81ED-4DB2-BD59-A6C34878D82A}">
+                    <a16:rowId xmlns:a16="http://schemas.microsoft.com/office/drawing/2014/main" val="10007"/>
+                  </a:ext>
+                </a:extLst>
               </a:tr>
               <a:tr h="372966">
                 <a:tc>
@@ -37457,6 +37501,11 @@
                   </a:txBody>
                   <a:tcPr marL="139862" marR="139862" marT="0" marB="0"/>
                 </a:tc>
+                <a:extLst>
+                  <a:ext uri="{0D108BD9-81ED-4DB2-BD59-A6C34878D82A}">
+                    <a16:rowId xmlns:a16="http://schemas.microsoft.com/office/drawing/2014/main" val="10008"/>
+                  </a:ext>
+                </a:extLst>
               </a:tr>
               <a:tr h="372966">
                 <a:tc>
@@ -37563,6 +37612,11 @@
                   </a:txBody>
                   <a:tcPr marL="139862" marR="139862" marT="0" marB="0"/>
                 </a:tc>
+                <a:extLst>
+                  <a:ext uri="{0D108BD9-81ED-4DB2-BD59-A6C34878D82A}">
+                    <a16:rowId xmlns:a16="http://schemas.microsoft.com/office/drawing/2014/main" val="10009"/>
+                  </a:ext>
+                </a:extLst>
               </a:tr>
               <a:tr h="372966">
                 <a:tc>
@@ -37669,6 +37723,11 @@
                   </a:txBody>
                   <a:tcPr marL="139862" marR="139862" marT="0" marB="0"/>
                 </a:tc>
+                <a:extLst>
+                  <a:ext uri="{0D108BD9-81ED-4DB2-BD59-A6C34878D82A}">
+                    <a16:rowId xmlns:a16="http://schemas.microsoft.com/office/drawing/2014/main" val="10010"/>
+                  </a:ext>
+                </a:extLst>
               </a:tr>
               <a:tr h="372966">
                 <a:tc>
@@ -37775,6 +37834,11 @@
                   </a:txBody>
                   <a:tcPr marL="139862" marR="139862" marT="0" marB="0"/>
                 </a:tc>
+                <a:extLst>
+                  <a:ext uri="{0D108BD9-81ED-4DB2-BD59-A6C34878D82A}">
+                    <a16:rowId xmlns:a16="http://schemas.microsoft.com/office/drawing/2014/main" val="10011"/>
+                  </a:ext>
+                </a:extLst>
               </a:tr>
               <a:tr h="372966">
                 <a:tc>
@@ -37881,6 +37945,11 @@
                   </a:txBody>
                   <a:tcPr marL="139862" marR="139862" marT="0" marB="0"/>
                 </a:tc>
+                <a:extLst>
+                  <a:ext uri="{0D108BD9-81ED-4DB2-BD59-A6C34878D82A}">
+                    <a16:rowId xmlns:a16="http://schemas.microsoft.com/office/drawing/2014/main" val="10012"/>
+                  </a:ext>
+                </a:extLst>
               </a:tr>
               <a:tr h="372966">
                 <a:tc>
@@ -37987,6 +38056,11 @@
                   </a:txBody>
                   <a:tcPr marL="139862" marR="139862" marT="0" marB="0"/>
                 </a:tc>
+                <a:extLst>
+                  <a:ext uri="{0D108BD9-81ED-4DB2-BD59-A6C34878D82A}">
+                    <a16:rowId xmlns:a16="http://schemas.microsoft.com/office/drawing/2014/main" val="10013"/>
+                  </a:ext>
+                </a:extLst>
               </a:tr>
               <a:tr h="372966">
                 <a:tc>
@@ -38093,6 +38167,11 @@
                   </a:txBody>
                   <a:tcPr marL="139862" marR="139862" marT="0" marB="0"/>
                 </a:tc>
+                <a:extLst>
+                  <a:ext uri="{0D108BD9-81ED-4DB2-BD59-A6C34878D82A}">
+                    <a16:rowId xmlns:a16="http://schemas.microsoft.com/office/drawing/2014/main" val="10014"/>
+                  </a:ext>
+                </a:extLst>
               </a:tr>
               <a:tr h="372966">
                 <a:tc>
@@ -38199,6 +38278,11 @@
                   </a:txBody>
                   <a:tcPr marL="139862" marR="139862" marT="0" marB="0"/>
                 </a:tc>
+                <a:extLst>
+                  <a:ext uri="{0D108BD9-81ED-4DB2-BD59-A6C34878D82A}">
+                    <a16:rowId xmlns:a16="http://schemas.microsoft.com/office/drawing/2014/main" val="10015"/>
+                  </a:ext>
+                </a:extLst>
               </a:tr>
             </a:tbl>
           </a:graphicData>
@@ -38278,10 +38362,6 @@
               </a:rPr>
               <a:t>选择方案</a:t>
             </a:r>
-            <a:endParaRPr lang="zh-CN" altLang="en-US" sz="2400" dirty="0">
-              <a:latin typeface="黑体" panose="02010609060101010101" pitchFamily="49" charset="-122"/>
-              <a:ea typeface="黑体" panose="02010609060101010101" pitchFamily="49" charset="-122"/>
-            </a:endParaRPr>
           </a:p>
         </p:txBody>
       </p:sp>
@@ -38839,6 +38919,7 @@
           <a:bodyPr wrap="square">
             <a:spAutoFit/>
           </a:bodyPr>
+          <a:lstStyle/>
           <a:p>
             <a:pPr indent="127000"/>
             <a:r>
@@ -38940,11 +39021,6 @@
               </a:rPr>
               <a:t>部署到阿里云服务器上。</a:t>
             </a:r>
-            <a:endParaRPr lang="zh-HK" altLang="en-US" sz="3200" b="0">
-              <a:latin typeface="宋体" panose="02010600030101010101" pitchFamily="2" charset="-122"/>
-              <a:ea typeface="宋体" panose="02010600030101010101" pitchFamily="2" charset="-122"/>
-              <a:cs typeface="宋体" panose="02010600030101010101" pitchFamily="2" charset="-122"/>
-            </a:endParaRPr>
           </a:p>
         </p:txBody>
       </p:sp>
@@ -38984,6 +39060,7 @@
         </p:style>
         <p:txBody>
           <a:bodyPr rtlCol="0" anchor="ctr"/>
+          <a:lstStyle/>
           <a:p>
             <a:pPr algn="ctr"/>
             <a:r>
@@ -38993,10 +39070,6 @@
               </a:rPr>
               <a:t>原因</a:t>
             </a:r>
-            <a:endParaRPr lang="zh-CN" altLang="en-US" sz="2400" dirty="0">
-              <a:latin typeface="黑体" panose="02010609060101010101" pitchFamily="49" charset="-122"/>
-              <a:ea typeface="黑体" panose="02010609060101010101" pitchFamily="49" charset="-122"/>
-            </a:endParaRPr>
           </a:p>
         </p:txBody>
       </p:sp>
@@ -39023,6 +39096,7 @@
           <a:bodyPr wrap="square">
             <a:spAutoFit/>
           </a:bodyPr>
+          <a:lstStyle/>
           <a:p>
             <a:pPr indent="127000"/>
             <a:r>
@@ -39064,11 +39138,6 @@
               </a:rPr>
               <a:t>，能满足基本的业务需求。</a:t>
             </a:r>
-            <a:endParaRPr lang="zh-HK" altLang="en-US" sz="2400" b="0">
-              <a:latin typeface="宋体" panose="02010600030101010101" pitchFamily="2" charset="-122"/>
-              <a:ea typeface="宋体" panose="02010600030101010101" pitchFamily="2" charset="-122"/>
-              <a:cs typeface="宋体" panose="02010600030101010101" pitchFamily="2" charset="-122"/>
-            </a:endParaRPr>
           </a:p>
         </p:txBody>
       </p:sp>
@@ -39334,6 +39403,8 @@
       </a:bgFillStyleLst>
     </a:fmtScheme>
   </a:themeElements>
+  <a:objectDefaults/>
+  <a:extraClrSchemeLst/>
   <a:extLst>
     <a:ext uri="{05A4C25C-085E-4340-85A3-A5531E510DB2}">
       <thm15:themeFamily xmlns:thm15="http://schemas.microsoft.com/office/thememl/2012/main" name="Office Theme" id="{62F939B6-93AF-4DB8-9C6B-D6C7DFDC589F}" vid="{4A3C46E8-61CC-4603-A589-7422A47A8E4A}"/>
@@ -39593,6 +39664,8 @@
       </a:bgFillStyleLst>
     </a:fmtScheme>
   </a:themeElements>
+  <a:objectDefaults/>
+  <a:extraClrSchemeLst/>
   <a:extLst>
     <a:ext uri="{05A4C25C-085E-4340-85A3-A5531E510DB2}">
       <thm15:themeFamily xmlns:thm15="http://schemas.microsoft.com/office/thememl/2012/main" name="Office Theme" id="{62F939B6-93AF-4DB8-9C6B-D6C7DFDC589F}" vid="{4A3C46E8-61CC-4603-A589-7422A47A8E4A}"/>
@@ -39852,6 +39925,8 @@
       </a:bgFillStyleLst>
     </a:fmtScheme>
   </a:themeElements>
+  <a:objectDefaults/>
+  <a:extraClrSchemeLst/>
   <a:extLst>
     <a:ext uri="{05A4C25C-085E-4340-85A3-A5531E510DB2}">
       <thm15:themeFamily xmlns:thm15="http://schemas.microsoft.com/office/thememl/2012/main" name="Office Theme" id="{62F939B6-93AF-4DB8-9C6B-D6C7DFDC589F}" vid="{4A3C46E8-61CC-4603-A589-7422A47A8E4A}"/>
@@ -40111,6 +40186,8 @@
       </a:bgFillStyleLst>
     </a:fmtScheme>
   </a:themeElements>
+  <a:objectDefaults/>
+  <a:extraClrSchemeLst/>
   <a:extLst>
     <a:ext uri="{05A4C25C-085E-4340-85A3-A5531E510DB2}">
       <thm15:themeFamily xmlns:thm15="http://schemas.microsoft.com/office/thememl/2012/main" name="Office Theme" id="{62F939B6-93AF-4DB8-9C6B-D6C7DFDC589F}" vid="{4A3C46E8-61CC-4603-A589-7422A47A8E4A}"/>
